--- a/Seminar.pptx
+++ b/Seminar.pptx
@@ -14,20 +14,21 @@
     <p:sldId id="257" r:id="rId8"/>
     <p:sldId id="258" r:id="rId9"/>
     <p:sldId id="260" r:id="rId10"/>
-    <p:sldId id="274" r:id="rId11"/>
-    <p:sldId id="266" r:id="rId12"/>
-    <p:sldId id="267" r:id="rId13"/>
-    <p:sldId id="273" r:id="rId14"/>
-    <p:sldId id="261" r:id="rId15"/>
-    <p:sldId id="262" r:id="rId16"/>
-    <p:sldId id="265" r:id="rId17"/>
-    <p:sldId id="264" r:id="rId18"/>
-    <p:sldId id="268" r:id="rId19"/>
-    <p:sldId id="263" r:id="rId20"/>
-    <p:sldId id="269" r:id="rId21"/>
-    <p:sldId id="270" r:id="rId22"/>
-    <p:sldId id="271" r:id="rId23"/>
-    <p:sldId id="272" r:id="rId24"/>
+    <p:sldId id="276" r:id="rId11"/>
+    <p:sldId id="275" r:id="rId12"/>
+    <p:sldId id="266" r:id="rId13"/>
+    <p:sldId id="267" r:id="rId14"/>
+    <p:sldId id="273" r:id="rId15"/>
+    <p:sldId id="261" r:id="rId16"/>
+    <p:sldId id="262" r:id="rId17"/>
+    <p:sldId id="265" r:id="rId18"/>
+    <p:sldId id="264" r:id="rId19"/>
+    <p:sldId id="268" r:id="rId20"/>
+    <p:sldId id="263" r:id="rId21"/>
+    <p:sldId id="269" r:id="rId22"/>
+    <p:sldId id="270" r:id="rId23"/>
+    <p:sldId id="271" r:id="rId24"/>
+    <p:sldId id="272" r:id="rId25"/>
   </p:sldIdLst>
   <p:sldSz cx="9144000" cy="6858000" type="screen4x3"/>
   <p:notesSz cx="7772400" cy="10058400"/>
@@ -126,7 +127,1603 @@
       </a:defRPr>
     </a:lvl9pPr>
   </p:defaultTextStyle>
+  <p:extLst>
+    <p:ext uri="{EFAFB233-063F-42B5-8137-9DF3F51BA10A}">
+      <p15:sldGuideLst xmlns:p15="http://schemas.microsoft.com/office/powerpoint/2012/main"/>
+    </p:ext>
+  </p:extLst>
 </p:presentation>
+</file>
+
+<file path=ppt/charts/chart1.xml><?xml version="1.0" encoding="utf-8"?>
+<c:chartSpace xmlns:c="http://schemas.openxmlformats.org/drawingml/2006/chart" xmlns:a="http://schemas.openxmlformats.org/drawingml/2006/main" xmlns:r="http://schemas.openxmlformats.org/officeDocument/2006/relationships">
+  <c:date1904 val="0"/>
+  <c:lang val="en-US"/>
+  <c:roundedCorners val="0"/>
+  <mc:AlternateContent xmlns:mc="http://schemas.openxmlformats.org/markup-compatibility/2006">
+    <mc:Choice xmlns:c14="http://schemas.microsoft.com/office/drawing/2007/8/2/chart" Requires="c14">
+      <c14:style val="102"/>
+    </mc:Choice>
+    <mc:Fallback>
+      <c:style val="2"/>
+    </mc:Fallback>
+  </mc:AlternateContent>
+  <c:chart>
+    <c:title>
+      <c:tx>
+        <c:rich>
+          <a:bodyPr rot="0" spcFirstLastPara="1" vertOverflow="ellipsis" vert="horz" wrap="square" anchor="ctr" anchorCtr="1"/>
+          <a:lstStyle/>
+          <a:p>
+            <a:pPr>
+              <a:defRPr sz="1862" b="0" i="0" u="none" strike="noStrike" kern="1200" spc="0" baseline="0">
+                <a:solidFill>
+                  <a:schemeClr val="tx1">
+                    <a:lumMod val="65000"/>
+                    <a:lumOff val="35000"/>
+                  </a:schemeClr>
+                </a:solidFill>
+                <a:latin typeface="+mn-lt"/>
+                <a:ea typeface="+mn-ea"/>
+                <a:cs typeface="+mn-cs"/>
+              </a:defRPr>
+            </a:pPr>
+            <a:r>
+              <a:rPr lang="en-US" dirty="0" smtClean="0"/>
+              <a:t>Egypt</a:t>
+            </a:r>
+            <a:r>
+              <a:rPr lang="en-US" baseline="0" dirty="0" smtClean="0"/>
+              <a:t> Teenagers</a:t>
+            </a:r>
+            <a:endParaRPr lang="en-US" dirty="0"/>
+          </a:p>
+        </c:rich>
+      </c:tx>
+      <c:layout/>
+      <c:overlay val="0"/>
+      <c:spPr>
+        <a:noFill/>
+        <a:ln>
+          <a:noFill/>
+        </a:ln>
+        <a:effectLst/>
+      </c:spPr>
+      <c:txPr>
+        <a:bodyPr rot="0" spcFirstLastPara="1" vertOverflow="ellipsis" vert="horz" wrap="square" anchor="ctr" anchorCtr="1"/>
+        <a:lstStyle/>
+        <a:p>
+          <a:pPr>
+            <a:defRPr sz="1862" b="0" i="0" u="none" strike="noStrike" kern="1200" spc="0" baseline="0">
+              <a:solidFill>
+                <a:schemeClr val="tx1">
+                  <a:lumMod val="65000"/>
+                  <a:lumOff val="35000"/>
+                </a:schemeClr>
+              </a:solidFill>
+              <a:latin typeface="+mn-lt"/>
+              <a:ea typeface="+mn-ea"/>
+              <a:cs typeface="+mn-cs"/>
+            </a:defRPr>
+          </a:pPr>
+          <a:endParaRPr lang="en-US"/>
+        </a:p>
+      </c:txPr>
+    </c:title>
+    <c:autoTitleDeleted val="0"/>
+    <c:plotArea>
+      <c:layout/>
+      <c:pieChart>
+        <c:varyColors val="1"/>
+        <c:ser>
+          <c:idx val="0"/>
+          <c:order val="0"/>
+          <c:tx>
+            <c:strRef>
+              <c:f>Sheet1!$B$1</c:f>
+              <c:strCache>
+                <c:ptCount val="1"/>
+                <c:pt idx="0">
+                  <c:v>Sales</c:v>
+                </c:pt>
+              </c:strCache>
+            </c:strRef>
+          </c:tx>
+          <c:dPt>
+            <c:idx val="0"/>
+            <c:bubble3D val="0"/>
+            <c:spPr>
+              <a:solidFill>
+                <a:schemeClr val="accent1"/>
+              </a:solidFill>
+              <a:ln w="19050">
+                <a:solidFill>
+                  <a:schemeClr val="lt1"/>
+                </a:solidFill>
+              </a:ln>
+              <a:effectLst/>
+            </c:spPr>
+          </c:dPt>
+          <c:dPt>
+            <c:idx val="1"/>
+            <c:bubble3D val="0"/>
+            <c:spPr>
+              <a:solidFill>
+                <a:schemeClr val="accent2"/>
+              </a:solidFill>
+              <a:ln w="19050">
+                <a:solidFill>
+                  <a:schemeClr val="lt1"/>
+                </a:solidFill>
+              </a:ln>
+              <a:effectLst/>
+            </c:spPr>
+          </c:dPt>
+          <c:cat>
+            <c:strRef>
+              <c:f>Sheet1!$A$2:$A$3</c:f>
+              <c:strCache>
+                <c:ptCount val="2"/>
+                <c:pt idx="0">
+                  <c:v>Bullied</c:v>
+                </c:pt>
+                <c:pt idx="1">
+                  <c:v>Non Bullied</c:v>
+                </c:pt>
+              </c:strCache>
+            </c:strRef>
+          </c:cat>
+          <c:val>
+            <c:numRef>
+              <c:f>Sheet1!$B$2:$B$3</c:f>
+              <c:numCache>
+                <c:formatCode>0%</c:formatCode>
+                <c:ptCount val="2"/>
+                <c:pt idx="0">
+                  <c:v>0.7</c:v>
+                </c:pt>
+                <c:pt idx="1">
+                  <c:v>0.3</c:v>
+                </c:pt>
+              </c:numCache>
+            </c:numRef>
+          </c:val>
+        </c:ser>
+        <c:dLbls>
+          <c:showLegendKey val="0"/>
+          <c:showVal val="0"/>
+          <c:showCatName val="0"/>
+          <c:showSerName val="0"/>
+          <c:showPercent val="0"/>
+          <c:showBubbleSize val="0"/>
+          <c:showLeaderLines val="1"/>
+        </c:dLbls>
+        <c:firstSliceAng val="0"/>
+      </c:pieChart>
+      <c:spPr>
+        <a:noFill/>
+        <a:ln>
+          <a:noFill/>
+        </a:ln>
+        <a:effectLst/>
+      </c:spPr>
+    </c:plotArea>
+    <c:legend>
+      <c:legendPos val="b"/>
+      <c:layout/>
+      <c:overlay val="0"/>
+      <c:spPr>
+        <a:noFill/>
+        <a:ln>
+          <a:noFill/>
+        </a:ln>
+        <a:effectLst/>
+      </c:spPr>
+      <c:txPr>
+        <a:bodyPr rot="0" spcFirstLastPara="1" vertOverflow="ellipsis" vert="horz" wrap="square" anchor="ctr" anchorCtr="1"/>
+        <a:lstStyle/>
+        <a:p>
+          <a:pPr>
+            <a:defRPr sz="1197" b="0" i="0" u="none" strike="noStrike" kern="1200" baseline="0">
+              <a:solidFill>
+                <a:schemeClr val="tx1">
+                  <a:lumMod val="65000"/>
+                  <a:lumOff val="35000"/>
+                </a:schemeClr>
+              </a:solidFill>
+              <a:latin typeface="+mn-lt"/>
+              <a:ea typeface="+mn-ea"/>
+              <a:cs typeface="+mn-cs"/>
+            </a:defRPr>
+          </a:pPr>
+          <a:endParaRPr lang="en-US"/>
+        </a:p>
+      </c:txPr>
+    </c:legend>
+    <c:plotVisOnly val="1"/>
+    <c:dispBlanksAs val="gap"/>
+    <c:showDLblsOverMax val="0"/>
+  </c:chart>
+  <c:spPr>
+    <a:noFill/>
+    <a:ln>
+      <a:noFill/>
+    </a:ln>
+    <a:effectLst/>
+  </c:spPr>
+  <c:txPr>
+    <a:bodyPr/>
+    <a:lstStyle/>
+    <a:p>
+      <a:pPr>
+        <a:defRPr/>
+      </a:pPr>
+      <a:endParaRPr lang="en-US"/>
+    </a:p>
+  </c:txPr>
+  <c:externalData r:id="rId3">
+    <c:autoUpdate val="0"/>
+  </c:externalData>
+</c:chartSpace>
+</file>
+
+<file path=ppt/charts/chart2.xml><?xml version="1.0" encoding="utf-8"?>
+<c:chartSpace xmlns:c="http://schemas.openxmlformats.org/drawingml/2006/chart" xmlns:a="http://schemas.openxmlformats.org/drawingml/2006/main" xmlns:r="http://schemas.openxmlformats.org/officeDocument/2006/relationships">
+  <c:date1904 val="0"/>
+  <c:lang val="en-US"/>
+  <c:roundedCorners val="0"/>
+  <mc:AlternateContent xmlns:mc="http://schemas.openxmlformats.org/markup-compatibility/2006">
+    <mc:Choice xmlns:c14="http://schemas.microsoft.com/office/drawing/2007/8/2/chart" Requires="c14">
+      <c14:style val="102"/>
+    </mc:Choice>
+    <mc:Fallback>
+      <c:style val="2"/>
+    </mc:Fallback>
+  </mc:AlternateContent>
+  <c:chart>
+    <c:title>
+      <c:tx>
+        <c:rich>
+          <a:bodyPr rot="0" spcFirstLastPara="1" vertOverflow="ellipsis" vert="horz" wrap="square" anchor="ctr" anchorCtr="1"/>
+          <a:lstStyle/>
+          <a:p>
+            <a:pPr>
+              <a:defRPr sz="1862" b="0" i="0" u="none" strike="noStrike" kern="1200" spc="0" baseline="0">
+                <a:solidFill>
+                  <a:schemeClr val="tx1">
+                    <a:lumMod val="65000"/>
+                    <a:lumOff val="35000"/>
+                  </a:schemeClr>
+                </a:solidFill>
+                <a:latin typeface="+mn-lt"/>
+                <a:ea typeface="+mn-ea"/>
+                <a:cs typeface="+mn-cs"/>
+              </a:defRPr>
+            </a:pPr>
+            <a:r>
+              <a:rPr lang="en-US" dirty="0" smtClean="0"/>
+              <a:t>Cyberbullying</a:t>
+            </a:r>
+            <a:r>
+              <a:rPr lang="en-US" baseline="0" dirty="0" smtClean="0"/>
+              <a:t> around the world </a:t>
+            </a:r>
+            <a:endParaRPr lang="en-US" dirty="0"/>
+          </a:p>
+        </c:rich>
+      </c:tx>
+      <c:layout/>
+      <c:overlay val="0"/>
+      <c:spPr>
+        <a:noFill/>
+        <a:ln>
+          <a:noFill/>
+        </a:ln>
+        <a:effectLst/>
+      </c:spPr>
+      <c:txPr>
+        <a:bodyPr rot="0" spcFirstLastPara="1" vertOverflow="ellipsis" vert="horz" wrap="square" anchor="ctr" anchorCtr="1"/>
+        <a:lstStyle/>
+        <a:p>
+          <a:pPr>
+            <a:defRPr sz="1862" b="0" i="0" u="none" strike="noStrike" kern="1200" spc="0" baseline="0">
+              <a:solidFill>
+                <a:schemeClr val="tx1">
+                  <a:lumMod val="65000"/>
+                  <a:lumOff val="35000"/>
+                </a:schemeClr>
+              </a:solidFill>
+              <a:latin typeface="+mn-lt"/>
+              <a:ea typeface="+mn-ea"/>
+              <a:cs typeface="+mn-cs"/>
+            </a:defRPr>
+          </a:pPr>
+          <a:endParaRPr lang="en-US"/>
+        </a:p>
+      </c:txPr>
+    </c:title>
+    <c:autoTitleDeleted val="0"/>
+    <c:plotArea>
+      <c:layout/>
+      <c:pieChart>
+        <c:varyColors val="1"/>
+        <c:ser>
+          <c:idx val="0"/>
+          <c:order val="0"/>
+          <c:tx>
+            <c:strRef>
+              <c:f>Sheet1!$B$1</c:f>
+              <c:strCache>
+                <c:ptCount val="1"/>
+                <c:pt idx="0">
+                  <c:v>Column1</c:v>
+                </c:pt>
+              </c:strCache>
+            </c:strRef>
+          </c:tx>
+          <c:dPt>
+            <c:idx val="0"/>
+            <c:bubble3D val="0"/>
+            <c:spPr>
+              <a:solidFill>
+                <a:schemeClr val="accent1"/>
+              </a:solidFill>
+              <a:ln w="19050">
+                <a:solidFill>
+                  <a:schemeClr val="lt1"/>
+                </a:solidFill>
+              </a:ln>
+              <a:effectLst/>
+            </c:spPr>
+          </c:dPt>
+          <c:dPt>
+            <c:idx val="1"/>
+            <c:bubble3D val="0"/>
+            <c:spPr>
+              <a:solidFill>
+                <a:schemeClr val="accent2"/>
+              </a:solidFill>
+              <a:ln w="19050">
+                <a:solidFill>
+                  <a:schemeClr val="lt1"/>
+                </a:solidFill>
+              </a:ln>
+              <a:effectLst/>
+            </c:spPr>
+          </c:dPt>
+          <c:cat>
+            <c:strRef>
+              <c:f>Sheet1!$A$2:$A$3</c:f>
+              <c:strCache>
+                <c:ptCount val="2"/>
+                <c:pt idx="0">
+                  <c:v>CyberBullied</c:v>
+                </c:pt>
+                <c:pt idx="1">
+                  <c:v>NonCyberbullied</c:v>
+                </c:pt>
+              </c:strCache>
+            </c:strRef>
+          </c:cat>
+          <c:val>
+            <c:numRef>
+              <c:f>Sheet1!$B$2:$B$3</c:f>
+              <c:numCache>
+                <c:formatCode>0%</c:formatCode>
+                <c:ptCount val="2"/>
+                <c:pt idx="0">
+                  <c:v>0.5</c:v>
+                </c:pt>
+                <c:pt idx="1">
+                  <c:v>0.5</c:v>
+                </c:pt>
+              </c:numCache>
+            </c:numRef>
+          </c:val>
+        </c:ser>
+        <c:dLbls>
+          <c:showLegendKey val="0"/>
+          <c:showVal val="0"/>
+          <c:showCatName val="0"/>
+          <c:showSerName val="0"/>
+          <c:showPercent val="0"/>
+          <c:showBubbleSize val="0"/>
+          <c:showLeaderLines val="1"/>
+        </c:dLbls>
+        <c:firstSliceAng val="0"/>
+      </c:pieChart>
+      <c:spPr>
+        <a:noFill/>
+        <a:ln>
+          <a:noFill/>
+        </a:ln>
+        <a:effectLst/>
+      </c:spPr>
+    </c:plotArea>
+    <c:legend>
+      <c:legendPos val="b"/>
+      <c:layout>
+        <c:manualLayout>
+          <c:xMode val="edge"/>
+          <c:yMode val="edge"/>
+          <c:x val="0.30158087270341211"/>
+          <c:y val="0.88051131889763778"/>
+          <c:w val="0.45100492125984254"/>
+          <c:h val="6.0113681102362197E-2"/>
+        </c:manualLayout>
+      </c:layout>
+      <c:overlay val="0"/>
+      <c:spPr>
+        <a:noFill/>
+        <a:ln>
+          <a:noFill/>
+        </a:ln>
+        <a:effectLst/>
+      </c:spPr>
+      <c:txPr>
+        <a:bodyPr rot="0" spcFirstLastPara="1" vertOverflow="ellipsis" vert="horz" wrap="square" anchor="ctr" anchorCtr="1"/>
+        <a:lstStyle/>
+        <a:p>
+          <a:pPr>
+            <a:defRPr sz="1197" b="0" i="0" u="none" strike="noStrike" kern="1200" baseline="0">
+              <a:solidFill>
+                <a:schemeClr val="tx1">
+                  <a:lumMod val="65000"/>
+                  <a:lumOff val="35000"/>
+                </a:schemeClr>
+              </a:solidFill>
+              <a:latin typeface="+mn-lt"/>
+              <a:ea typeface="+mn-ea"/>
+              <a:cs typeface="+mn-cs"/>
+            </a:defRPr>
+          </a:pPr>
+          <a:endParaRPr lang="en-US"/>
+        </a:p>
+      </c:txPr>
+    </c:legend>
+    <c:plotVisOnly val="1"/>
+    <c:dispBlanksAs val="gap"/>
+    <c:showDLblsOverMax val="0"/>
+  </c:chart>
+  <c:spPr>
+    <a:noFill/>
+    <a:ln>
+      <a:noFill/>
+    </a:ln>
+    <a:effectLst/>
+  </c:spPr>
+  <c:txPr>
+    <a:bodyPr/>
+    <a:lstStyle/>
+    <a:p>
+      <a:pPr>
+        <a:defRPr/>
+      </a:pPr>
+      <a:endParaRPr lang="en-US"/>
+    </a:p>
+  </c:txPr>
+  <c:externalData r:id="rId3">
+    <c:autoUpdate val="0"/>
+  </c:externalData>
+</c:chartSpace>
+</file>
+
+<file path=ppt/charts/colors1.xml><?xml version="1.0" encoding="utf-8"?>
+<cs:colorStyle xmlns:cs="http://schemas.microsoft.com/office/drawing/2012/chartStyle" xmlns:a="http://schemas.openxmlformats.org/drawingml/2006/main" meth="cycle" id="10">
+  <a:schemeClr val="accent1"/>
+  <a:schemeClr val="accent2"/>
+  <a:schemeClr val="accent3"/>
+  <a:schemeClr val="accent4"/>
+  <a:schemeClr val="accent5"/>
+  <a:schemeClr val="accent6"/>
+  <cs:variation/>
+  <cs:variation>
+    <a:lumMod val="60000"/>
+  </cs:variation>
+  <cs:variation>
+    <a:lumMod val="80000"/>
+    <a:lumOff val="20000"/>
+  </cs:variation>
+  <cs:variation>
+    <a:lumMod val="80000"/>
+  </cs:variation>
+  <cs:variation>
+    <a:lumMod val="60000"/>
+    <a:lumOff val="40000"/>
+  </cs:variation>
+  <cs:variation>
+    <a:lumMod val="50000"/>
+  </cs:variation>
+  <cs:variation>
+    <a:lumMod val="70000"/>
+    <a:lumOff val="30000"/>
+  </cs:variation>
+  <cs:variation>
+    <a:lumMod val="70000"/>
+  </cs:variation>
+  <cs:variation>
+    <a:lumMod val="50000"/>
+    <a:lumOff val="50000"/>
+  </cs:variation>
+</cs:colorStyle>
+</file>
+
+<file path=ppt/charts/colors2.xml><?xml version="1.0" encoding="utf-8"?>
+<cs:colorStyle xmlns:cs="http://schemas.microsoft.com/office/drawing/2012/chartStyle" xmlns:a="http://schemas.openxmlformats.org/drawingml/2006/main" meth="cycle" id="10">
+  <a:schemeClr val="accent1"/>
+  <a:schemeClr val="accent2"/>
+  <a:schemeClr val="accent3"/>
+  <a:schemeClr val="accent4"/>
+  <a:schemeClr val="accent5"/>
+  <a:schemeClr val="accent6"/>
+  <cs:variation/>
+  <cs:variation>
+    <a:lumMod val="60000"/>
+  </cs:variation>
+  <cs:variation>
+    <a:lumMod val="80000"/>
+    <a:lumOff val="20000"/>
+  </cs:variation>
+  <cs:variation>
+    <a:lumMod val="80000"/>
+  </cs:variation>
+  <cs:variation>
+    <a:lumMod val="60000"/>
+    <a:lumOff val="40000"/>
+  </cs:variation>
+  <cs:variation>
+    <a:lumMod val="50000"/>
+  </cs:variation>
+  <cs:variation>
+    <a:lumMod val="70000"/>
+    <a:lumOff val="30000"/>
+  </cs:variation>
+  <cs:variation>
+    <a:lumMod val="70000"/>
+  </cs:variation>
+  <cs:variation>
+    <a:lumMod val="50000"/>
+    <a:lumOff val="50000"/>
+  </cs:variation>
+</cs:colorStyle>
+</file>
+
+<file path=ppt/charts/style1.xml><?xml version="1.0" encoding="utf-8"?>
+<cs:chartStyle xmlns:cs="http://schemas.microsoft.com/office/drawing/2012/chartStyle" xmlns:a="http://schemas.openxmlformats.org/drawingml/2006/main" id="251">
+  <cs:axisTitle>
+    <cs:lnRef idx="0"/>
+    <cs:fillRef idx="0"/>
+    <cs:effectRef idx="0"/>
+    <cs:fontRef idx="minor">
+      <a:schemeClr val="tx1">
+        <a:lumMod val="65000"/>
+        <a:lumOff val="35000"/>
+      </a:schemeClr>
+    </cs:fontRef>
+    <cs:defRPr sz="1330" kern="1200"/>
+  </cs:axisTitle>
+  <cs:categoryAxis>
+    <cs:lnRef idx="0"/>
+    <cs:fillRef idx="0"/>
+    <cs:effectRef idx="0"/>
+    <cs:fontRef idx="minor">
+      <a:schemeClr val="tx1">
+        <a:lumMod val="65000"/>
+        <a:lumOff val="35000"/>
+      </a:schemeClr>
+    </cs:fontRef>
+    <cs:spPr>
+      <a:ln w="9525" cap="flat" cmpd="sng" algn="ctr">
+        <a:solidFill>
+          <a:schemeClr val="tx1">
+            <a:lumMod val="15000"/>
+            <a:lumOff val="85000"/>
+          </a:schemeClr>
+        </a:solidFill>
+        <a:round/>
+      </a:ln>
+    </cs:spPr>
+    <cs:defRPr sz="1197" kern="1200"/>
+  </cs:categoryAxis>
+  <cs:chartArea mods="allowNoFillOverride allowNoLineOverride">
+    <cs:lnRef idx="0"/>
+    <cs:fillRef idx="0"/>
+    <cs:effectRef idx="0"/>
+    <cs:fontRef idx="minor">
+      <a:schemeClr val="tx1"/>
+    </cs:fontRef>
+    <cs:spPr>
+      <a:solidFill>
+        <a:schemeClr val="bg1"/>
+      </a:solidFill>
+      <a:ln w="9525" cap="flat" cmpd="sng" algn="ctr">
+        <a:solidFill>
+          <a:schemeClr val="tx1">
+            <a:lumMod val="15000"/>
+            <a:lumOff val="85000"/>
+          </a:schemeClr>
+        </a:solidFill>
+        <a:round/>
+      </a:ln>
+    </cs:spPr>
+    <cs:defRPr sz="1197" kern="1200"/>
+  </cs:chartArea>
+  <cs:dataLabel>
+    <cs:lnRef idx="0"/>
+    <cs:fillRef idx="0"/>
+    <cs:effectRef idx="0"/>
+    <cs:fontRef idx="minor">
+      <a:schemeClr val="tx1">
+        <a:lumMod val="75000"/>
+        <a:lumOff val="25000"/>
+      </a:schemeClr>
+    </cs:fontRef>
+    <cs:defRPr sz="1197" kern="1200"/>
+  </cs:dataLabel>
+  <cs:dataLabelCallout>
+    <cs:lnRef idx="0"/>
+    <cs:fillRef idx="0"/>
+    <cs:effectRef idx="0"/>
+    <cs:fontRef idx="minor">
+      <a:schemeClr val="dk1">
+        <a:lumMod val="65000"/>
+        <a:lumOff val="35000"/>
+      </a:schemeClr>
+    </cs:fontRef>
+    <cs:spPr>
+      <a:solidFill>
+        <a:schemeClr val="lt1"/>
+      </a:solidFill>
+      <a:ln>
+        <a:solidFill>
+          <a:schemeClr val="dk1">
+            <a:lumMod val="25000"/>
+            <a:lumOff val="75000"/>
+          </a:schemeClr>
+        </a:solidFill>
+      </a:ln>
+    </cs:spPr>
+    <cs:defRPr sz="1197" kern="1200"/>
+    <cs:bodyPr rot="0" spcFirstLastPara="1" vertOverflow="clip" horzOverflow="clip" vert="horz" wrap="square" lIns="36576" tIns="18288" rIns="36576" bIns="18288" anchor="ctr" anchorCtr="1">
+      <a:spAutoFit/>
+    </cs:bodyPr>
+  </cs:dataLabelCallout>
+  <cs:dataPoint>
+    <cs:lnRef idx="0"/>
+    <cs:fillRef idx="1">
+      <cs:styleClr val="auto"/>
+    </cs:fillRef>
+    <cs:effectRef idx="0"/>
+    <cs:fontRef idx="minor">
+      <a:schemeClr val="tx1"/>
+    </cs:fontRef>
+    <cs:spPr>
+      <a:ln w="19050">
+        <a:solidFill>
+          <a:schemeClr val="lt1"/>
+        </a:solidFill>
+      </a:ln>
+    </cs:spPr>
+  </cs:dataPoint>
+  <cs:dataPoint3D>
+    <cs:lnRef idx="0"/>
+    <cs:fillRef idx="1">
+      <cs:styleClr val="auto"/>
+    </cs:fillRef>
+    <cs:effectRef idx="0"/>
+    <cs:fontRef idx="minor">
+      <a:schemeClr val="tx1"/>
+    </cs:fontRef>
+    <cs:spPr>
+      <a:ln w="25400">
+        <a:solidFill>
+          <a:schemeClr val="lt1"/>
+        </a:solidFill>
+      </a:ln>
+    </cs:spPr>
+  </cs:dataPoint3D>
+  <cs:dataPointLine>
+    <cs:lnRef idx="0">
+      <cs:styleClr val="auto"/>
+    </cs:lnRef>
+    <cs:fillRef idx="0"/>
+    <cs:effectRef idx="0"/>
+    <cs:fontRef idx="minor">
+      <a:schemeClr val="tx1"/>
+    </cs:fontRef>
+    <cs:spPr>
+      <a:ln w="28575" cap="rnd">
+        <a:solidFill>
+          <a:schemeClr val="phClr"/>
+        </a:solidFill>
+        <a:round/>
+      </a:ln>
+    </cs:spPr>
+  </cs:dataPointLine>
+  <cs:dataPointMarker>
+    <cs:lnRef idx="0">
+      <cs:styleClr val="auto"/>
+    </cs:lnRef>
+    <cs:fillRef idx="1">
+      <cs:styleClr val="auto"/>
+    </cs:fillRef>
+    <cs:effectRef idx="0"/>
+    <cs:fontRef idx="minor">
+      <a:schemeClr val="tx1"/>
+    </cs:fontRef>
+    <cs:spPr>
+      <a:ln w="9525">
+        <a:solidFill>
+          <a:schemeClr val="phClr"/>
+        </a:solidFill>
+      </a:ln>
+    </cs:spPr>
+  </cs:dataPointMarker>
+  <cs:dataPointMarkerLayout symbol="circle" size="5"/>
+  <cs:dataPointWireframe>
+    <cs:lnRef idx="0">
+      <cs:styleClr val="auto"/>
+    </cs:lnRef>
+    <cs:fillRef idx="0"/>
+    <cs:effectRef idx="0"/>
+    <cs:fontRef idx="minor">
+      <a:schemeClr val="tx1"/>
+    </cs:fontRef>
+    <cs:spPr>
+      <a:ln w="9525" cap="rnd">
+        <a:solidFill>
+          <a:schemeClr val="phClr"/>
+        </a:solidFill>
+        <a:round/>
+      </a:ln>
+    </cs:spPr>
+  </cs:dataPointWireframe>
+  <cs:dataTable>
+    <cs:lnRef idx="0"/>
+    <cs:fillRef idx="0"/>
+    <cs:effectRef idx="0"/>
+    <cs:fontRef idx="minor">
+      <a:schemeClr val="tx1">
+        <a:lumMod val="65000"/>
+        <a:lumOff val="35000"/>
+      </a:schemeClr>
+    </cs:fontRef>
+    <cs:spPr>
+      <a:noFill/>
+      <a:ln w="9525" cap="flat" cmpd="sng" algn="ctr">
+        <a:solidFill>
+          <a:schemeClr val="tx1">
+            <a:lumMod val="15000"/>
+            <a:lumOff val="85000"/>
+          </a:schemeClr>
+        </a:solidFill>
+        <a:round/>
+      </a:ln>
+    </cs:spPr>
+    <cs:defRPr sz="1197" kern="1200"/>
+  </cs:dataTable>
+  <cs:downBar>
+    <cs:lnRef idx="0"/>
+    <cs:fillRef idx="0"/>
+    <cs:effectRef idx="0"/>
+    <cs:fontRef idx="minor">
+      <a:schemeClr val="tx1"/>
+    </cs:fontRef>
+    <cs:spPr>
+      <a:solidFill>
+        <a:schemeClr val="dk1">
+          <a:lumMod val="75000"/>
+          <a:lumOff val="25000"/>
+        </a:schemeClr>
+      </a:solidFill>
+      <a:ln w="9525" cap="flat" cmpd="sng" algn="ctr">
+        <a:solidFill>
+          <a:schemeClr val="tx1">
+            <a:lumMod val="65000"/>
+            <a:lumOff val="35000"/>
+          </a:schemeClr>
+        </a:solidFill>
+        <a:round/>
+      </a:ln>
+    </cs:spPr>
+  </cs:downBar>
+  <cs:dropLine>
+    <cs:lnRef idx="0"/>
+    <cs:fillRef idx="0"/>
+    <cs:effectRef idx="0"/>
+    <cs:fontRef idx="minor">
+      <a:schemeClr val="tx1"/>
+    </cs:fontRef>
+    <cs:spPr>
+      <a:ln w="9525" cap="flat" cmpd="sng" algn="ctr">
+        <a:solidFill>
+          <a:schemeClr val="tx1">
+            <a:lumMod val="35000"/>
+            <a:lumOff val="65000"/>
+          </a:schemeClr>
+        </a:solidFill>
+        <a:round/>
+      </a:ln>
+    </cs:spPr>
+  </cs:dropLine>
+  <cs:errorBar>
+    <cs:lnRef idx="0"/>
+    <cs:fillRef idx="0"/>
+    <cs:effectRef idx="0"/>
+    <cs:fontRef idx="minor">
+      <a:schemeClr val="tx1"/>
+    </cs:fontRef>
+    <cs:spPr>
+      <a:ln w="9525" cap="flat" cmpd="sng" algn="ctr">
+        <a:solidFill>
+          <a:schemeClr val="tx1">
+            <a:lumMod val="65000"/>
+            <a:lumOff val="35000"/>
+          </a:schemeClr>
+        </a:solidFill>
+        <a:round/>
+      </a:ln>
+    </cs:spPr>
+  </cs:errorBar>
+  <cs:floor>
+    <cs:lnRef idx="0"/>
+    <cs:fillRef idx="0"/>
+    <cs:effectRef idx="0"/>
+    <cs:fontRef idx="minor">
+      <a:schemeClr val="tx1"/>
+    </cs:fontRef>
+    <cs:spPr>
+      <a:noFill/>
+      <a:ln>
+        <a:noFill/>
+      </a:ln>
+    </cs:spPr>
+  </cs:floor>
+  <cs:gridlineMajor>
+    <cs:lnRef idx="0"/>
+    <cs:fillRef idx="0"/>
+    <cs:effectRef idx="0"/>
+    <cs:fontRef idx="minor">
+      <a:schemeClr val="tx1"/>
+    </cs:fontRef>
+    <cs:spPr>
+      <a:ln w="9525" cap="flat" cmpd="sng" algn="ctr">
+        <a:solidFill>
+          <a:schemeClr val="tx1">
+            <a:lumMod val="15000"/>
+            <a:lumOff val="85000"/>
+          </a:schemeClr>
+        </a:solidFill>
+        <a:round/>
+      </a:ln>
+    </cs:spPr>
+  </cs:gridlineMajor>
+  <cs:gridlineMinor>
+    <cs:lnRef idx="0"/>
+    <cs:fillRef idx="0"/>
+    <cs:effectRef idx="0"/>
+    <cs:fontRef idx="minor">
+      <a:schemeClr val="tx1"/>
+    </cs:fontRef>
+    <cs:spPr>
+      <a:ln w="9525" cap="flat" cmpd="sng" algn="ctr">
+        <a:solidFill>
+          <a:schemeClr val="tx1">
+            <a:lumMod val="5000"/>
+            <a:lumOff val="95000"/>
+          </a:schemeClr>
+        </a:solidFill>
+        <a:round/>
+      </a:ln>
+    </cs:spPr>
+  </cs:gridlineMinor>
+  <cs:hiLoLine>
+    <cs:lnRef idx="0"/>
+    <cs:fillRef idx="0"/>
+    <cs:effectRef idx="0"/>
+    <cs:fontRef idx="minor">
+      <a:schemeClr val="tx1"/>
+    </cs:fontRef>
+    <cs:spPr>
+      <a:ln w="9525" cap="flat" cmpd="sng" algn="ctr">
+        <a:solidFill>
+          <a:schemeClr val="tx1">
+            <a:lumMod val="50000"/>
+            <a:lumOff val="50000"/>
+          </a:schemeClr>
+        </a:solidFill>
+        <a:round/>
+      </a:ln>
+    </cs:spPr>
+  </cs:hiLoLine>
+  <cs:leaderLine>
+    <cs:lnRef idx="0"/>
+    <cs:fillRef idx="0"/>
+    <cs:effectRef idx="0"/>
+    <cs:fontRef idx="minor">
+      <a:schemeClr val="tx1"/>
+    </cs:fontRef>
+    <cs:spPr>
+      <a:ln w="9525" cap="flat" cmpd="sng" algn="ctr">
+        <a:solidFill>
+          <a:schemeClr val="tx1">
+            <a:lumMod val="35000"/>
+            <a:lumOff val="65000"/>
+          </a:schemeClr>
+        </a:solidFill>
+        <a:round/>
+      </a:ln>
+    </cs:spPr>
+  </cs:leaderLine>
+  <cs:legend>
+    <cs:lnRef idx="0"/>
+    <cs:fillRef idx="0"/>
+    <cs:effectRef idx="0"/>
+    <cs:fontRef idx="minor">
+      <a:schemeClr val="tx1">
+        <a:lumMod val="65000"/>
+        <a:lumOff val="35000"/>
+      </a:schemeClr>
+    </cs:fontRef>
+    <cs:defRPr sz="1197" kern="1200"/>
+  </cs:legend>
+  <cs:plotArea mods="allowNoFillOverride allowNoLineOverride">
+    <cs:lnRef idx="0"/>
+    <cs:fillRef idx="0"/>
+    <cs:effectRef idx="0"/>
+    <cs:fontRef idx="minor">
+      <a:schemeClr val="tx1"/>
+    </cs:fontRef>
+  </cs:plotArea>
+  <cs:plotArea3D mods="allowNoFillOverride allowNoLineOverride">
+    <cs:lnRef idx="0"/>
+    <cs:fillRef idx="0"/>
+    <cs:effectRef idx="0"/>
+    <cs:fontRef idx="minor">
+      <a:schemeClr val="tx1"/>
+    </cs:fontRef>
+  </cs:plotArea3D>
+  <cs:seriesAxis>
+    <cs:lnRef idx="0"/>
+    <cs:fillRef idx="0"/>
+    <cs:effectRef idx="0"/>
+    <cs:fontRef idx="minor">
+      <a:schemeClr val="tx1">
+        <a:lumMod val="65000"/>
+        <a:lumOff val="35000"/>
+      </a:schemeClr>
+    </cs:fontRef>
+    <cs:defRPr sz="1197" kern="1200"/>
+  </cs:seriesAxis>
+  <cs:seriesLine>
+    <cs:lnRef idx="0"/>
+    <cs:fillRef idx="0"/>
+    <cs:effectRef idx="0"/>
+    <cs:fontRef idx="minor">
+      <a:schemeClr val="tx1"/>
+    </cs:fontRef>
+    <cs:spPr>
+      <a:ln w="9525" cap="flat" cmpd="sng" algn="ctr">
+        <a:solidFill>
+          <a:schemeClr val="tx1">
+            <a:lumMod val="35000"/>
+            <a:lumOff val="65000"/>
+          </a:schemeClr>
+        </a:solidFill>
+        <a:round/>
+      </a:ln>
+    </cs:spPr>
+  </cs:seriesLine>
+  <cs:title>
+    <cs:lnRef idx="0"/>
+    <cs:fillRef idx="0"/>
+    <cs:effectRef idx="0"/>
+    <cs:fontRef idx="minor">
+      <a:schemeClr val="tx1">
+        <a:lumMod val="65000"/>
+        <a:lumOff val="35000"/>
+      </a:schemeClr>
+    </cs:fontRef>
+    <cs:defRPr sz="1862" b="0" kern="1200" spc="0" baseline="0"/>
+  </cs:title>
+  <cs:trendline>
+    <cs:lnRef idx="0">
+      <cs:styleClr val="auto"/>
+    </cs:lnRef>
+    <cs:fillRef idx="0"/>
+    <cs:effectRef idx="0"/>
+    <cs:fontRef idx="minor">
+      <a:schemeClr val="tx1"/>
+    </cs:fontRef>
+    <cs:spPr>
+      <a:ln w="19050" cap="rnd">
+        <a:solidFill>
+          <a:schemeClr val="phClr"/>
+        </a:solidFill>
+        <a:prstDash val="sysDot"/>
+      </a:ln>
+    </cs:spPr>
+  </cs:trendline>
+  <cs:trendlineLabel>
+    <cs:lnRef idx="0"/>
+    <cs:fillRef idx="0"/>
+    <cs:effectRef idx="0"/>
+    <cs:fontRef idx="minor">
+      <a:schemeClr val="tx1">
+        <a:lumMod val="65000"/>
+        <a:lumOff val="35000"/>
+      </a:schemeClr>
+    </cs:fontRef>
+    <cs:defRPr sz="1197" kern="1200"/>
+  </cs:trendlineLabel>
+  <cs:upBar>
+    <cs:lnRef idx="0"/>
+    <cs:fillRef idx="0"/>
+    <cs:effectRef idx="0"/>
+    <cs:fontRef idx="minor">
+      <a:schemeClr val="tx1"/>
+    </cs:fontRef>
+    <cs:spPr>
+      <a:solidFill>
+        <a:schemeClr val="lt1"/>
+      </a:solidFill>
+      <a:ln w="9525" cap="flat" cmpd="sng" algn="ctr">
+        <a:solidFill>
+          <a:schemeClr val="tx1">
+            <a:lumMod val="65000"/>
+            <a:lumOff val="35000"/>
+          </a:schemeClr>
+        </a:solidFill>
+        <a:round/>
+      </a:ln>
+    </cs:spPr>
+  </cs:upBar>
+  <cs:valueAxis>
+    <cs:lnRef idx="0"/>
+    <cs:fillRef idx="0"/>
+    <cs:effectRef idx="0"/>
+    <cs:fontRef idx="minor">
+      <a:schemeClr val="tx1">
+        <a:lumMod val="65000"/>
+        <a:lumOff val="35000"/>
+      </a:schemeClr>
+    </cs:fontRef>
+    <cs:defRPr sz="1197" kern="1200"/>
+  </cs:valueAxis>
+  <cs:wall>
+    <cs:lnRef idx="0"/>
+    <cs:fillRef idx="0"/>
+    <cs:effectRef idx="0"/>
+    <cs:fontRef idx="minor">
+      <a:schemeClr val="tx1"/>
+    </cs:fontRef>
+    <cs:spPr>
+      <a:noFill/>
+      <a:ln>
+        <a:noFill/>
+      </a:ln>
+    </cs:spPr>
+  </cs:wall>
+</cs:chartStyle>
+</file>
+
+<file path=ppt/charts/style2.xml><?xml version="1.0" encoding="utf-8"?>
+<cs:chartStyle xmlns:cs="http://schemas.microsoft.com/office/drawing/2012/chartStyle" xmlns:a="http://schemas.openxmlformats.org/drawingml/2006/main" id="251">
+  <cs:axisTitle>
+    <cs:lnRef idx="0"/>
+    <cs:fillRef idx="0"/>
+    <cs:effectRef idx="0"/>
+    <cs:fontRef idx="minor">
+      <a:schemeClr val="tx1">
+        <a:lumMod val="65000"/>
+        <a:lumOff val="35000"/>
+      </a:schemeClr>
+    </cs:fontRef>
+    <cs:defRPr sz="1330" kern="1200"/>
+  </cs:axisTitle>
+  <cs:categoryAxis>
+    <cs:lnRef idx="0"/>
+    <cs:fillRef idx="0"/>
+    <cs:effectRef idx="0"/>
+    <cs:fontRef idx="minor">
+      <a:schemeClr val="tx1">
+        <a:lumMod val="65000"/>
+        <a:lumOff val="35000"/>
+      </a:schemeClr>
+    </cs:fontRef>
+    <cs:spPr>
+      <a:ln w="9525" cap="flat" cmpd="sng" algn="ctr">
+        <a:solidFill>
+          <a:schemeClr val="tx1">
+            <a:lumMod val="15000"/>
+            <a:lumOff val="85000"/>
+          </a:schemeClr>
+        </a:solidFill>
+        <a:round/>
+      </a:ln>
+    </cs:spPr>
+    <cs:defRPr sz="1197" kern="1200"/>
+  </cs:categoryAxis>
+  <cs:chartArea mods="allowNoFillOverride allowNoLineOverride">
+    <cs:lnRef idx="0"/>
+    <cs:fillRef idx="0"/>
+    <cs:effectRef idx="0"/>
+    <cs:fontRef idx="minor">
+      <a:schemeClr val="tx1"/>
+    </cs:fontRef>
+    <cs:spPr>
+      <a:solidFill>
+        <a:schemeClr val="bg1"/>
+      </a:solidFill>
+      <a:ln w="9525" cap="flat" cmpd="sng" algn="ctr">
+        <a:solidFill>
+          <a:schemeClr val="tx1">
+            <a:lumMod val="15000"/>
+            <a:lumOff val="85000"/>
+          </a:schemeClr>
+        </a:solidFill>
+        <a:round/>
+      </a:ln>
+    </cs:spPr>
+    <cs:defRPr sz="1197" kern="1200"/>
+  </cs:chartArea>
+  <cs:dataLabel>
+    <cs:lnRef idx="0"/>
+    <cs:fillRef idx="0"/>
+    <cs:effectRef idx="0"/>
+    <cs:fontRef idx="minor">
+      <a:schemeClr val="tx1">
+        <a:lumMod val="75000"/>
+        <a:lumOff val="25000"/>
+      </a:schemeClr>
+    </cs:fontRef>
+    <cs:defRPr sz="1197" kern="1200"/>
+  </cs:dataLabel>
+  <cs:dataLabelCallout>
+    <cs:lnRef idx="0"/>
+    <cs:fillRef idx="0"/>
+    <cs:effectRef idx="0"/>
+    <cs:fontRef idx="minor">
+      <a:schemeClr val="dk1">
+        <a:lumMod val="65000"/>
+        <a:lumOff val="35000"/>
+      </a:schemeClr>
+    </cs:fontRef>
+    <cs:spPr>
+      <a:solidFill>
+        <a:schemeClr val="lt1"/>
+      </a:solidFill>
+      <a:ln>
+        <a:solidFill>
+          <a:schemeClr val="dk1">
+            <a:lumMod val="25000"/>
+            <a:lumOff val="75000"/>
+          </a:schemeClr>
+        </a:solidFill>
+      </a:ln>
+    </cs:spPr>
+    <cs:defRPr sz="1197" kern="1200"/>
+    <cs:bodyPr rot="0" spcFirstLastPara="1" vertOverflow="clip" horzOverflow="clip" vert="horz" wrap="square" lIns="36576" tIns="18288" rIns="36576" bIns="18288" anchor="ctr" anchorCtr="1">
+      <a:spAutoFit/>
+    </cs:bodyPr>
+  </cs:dataLabelCallout>
+  <cs:dataPoint>
+    <cs:lnRef idx="0"/>
+    <cs:fillRef idx="1">
+      <cs:styleClr val="auto"/>
+    </cs:fillRef>
+    <cs:effectRef idx="0"/>
+    <cs:fontRef idx="minor">
+      <a:schemeClr val="tx1"/>
+    </cs:fontRef>
+    <cs:spPr>
+      <a:ln w="19050">
+        <a:solidFill>
+          <a:schemeClr val="lt1"/>
+        </a:solidFill>
+      </a:ln>
+    </cs:spPr>
+  </cs:dataPoint>
+  <cs:dataPoint3D>
+    <cs:lnRef idx="0"/>
+    <cs:fillRef idx="1">
+      <cs:styleClr val="auto"/>
+    </cs:fillRef>
+    <cs:effectRef idx="0"/>
+    <cs:fontRef idx="minor">
+      <a:schemeClr val="tx1"/>
+    </cs:fontRef>
+    <cs:spPr>
+      <a:ln w="25400">
+        <a:solidFill>
+          <a:schemeClr val="lt1"/>
+        </a:solidFill>
+      </a:ln>
+    </cs:spPr>
+  </cs:dataPoint3D>
+  <cs:dataPointLine>
+    <cs:lnRef idx="0">
+      <cs:styleClr val="auto"/>
+    </cs:lnRef>
+    <cs:fillRef idx="0"/>
+    <cs:effectRef idx="0"/>
+    <cs:fontRef idx="minor">
+      <a:schemeClr val="tx1"/>
+    </cs:fontRef>
+    <cs:spPr>
+      <a:ln w="28575" cap="rnd">
+        <a:solidFill>
+          <a:schemeClr val="phClr"/>
+        </a:solidFill>
+        <a:round/>
+      </a:ln>
+    </cs:spPr>
+  </cs:dataPointLine>
+  <cs:dataPointMarker>
+    <cs:lnRef idx="0">
+      <cs:styleClr val="auto"/>
+    </cs:lnRef>
+    <cs:fillRef idx="1">
+      <cs:styleClr val="auto"/>
+    </cs:fillRef>
+    <cs:effectRef idx="0"/>
+    <cs:fontRef idx="minor">
+      <a:schemeClr val="tx1"/>
+    </cs:fontRef>
+    <cs:spPr>
+      <a:ln w="9525">
+        <a:solidFill>
+          <a:schemeClr val="phClr"/>
+        </a:solidFill>
+      </a:ln>
+    </cs:spPr>
+  </cs:dataPointMarker>
+  <cs:dataPointMarkerLayout symbol="circle" size="5"/>
+  <cs:dataPointWireframe>
+    <cs:lnRef idx="0">
+      <cs:styleClr val="auto"/>
+    </cs:lnRef>
+    <cs:fillRef idx="0"/>
+    <cs:effectRef idx="0"/>
+    <cs:fontRef idx="minor">
+      <a:schemeClr val="tx1"/>
+    </cs:fontRef>
+    <cs:spPr>
+      <a:ln w="9525" cap="rnd">
+        <a:solidFill>
+          <a:schemeClr val="phClr"/>
+        </a:solidFill>
+        <a:round/>
+      </a:ln>
+    </cs:spPr>
+  </cs:dataPointWireframe>
+  <cs:dataTable>
+    <cs:lnRef idx="0"/>
+    <cs:fillRef idx="0"/>
+    <cs:effectRef idx="0"/>
+    <cs:fontRef idx="minor">
+      <a:schemeClr val="tx1">
+        <a:lumMod val="65000"/>
+        <a:lumOff val="35000"/>
+      </a:schemeClr>
+    </cs:fontRef>
+    <cs:spPr>
+      <a:noFill/>
+      <a:ln w="9525" cap="flat" cmpd="sng" algn="ctr">
+        <a:solidFill>
+          <a:schemeClr val="tx1">
+            <a:lumMod val="15000"/>
+            <a:lumOff val="85000"/>
+          </a:schemeClr>
+        </a:solidFill>
+        <a:round/>
+      </a:ln>
+    </cs:spPr>
+    <cs:defRPr sz="1197" kern="1200"/>
+  </cs:dataTable>
+  <cs:downBar>
+    <cs:lnRef idx="0"/>
+    <cs:fillRef idx="0"/>
+    <cs:effectRef idx="0"/>
+    <cs:fontRef idx="minor">
+      <a:schemeClr val="tx1"/>
+    </cs:fontRef>
+    <cs:spPr>
+      <a:solidFill>
+        <a:schemeClr val="dk1">
+          <a:lumMod val="75000"/>
+          <a:lumOff val="25000"/>
+        </a:schemeClr>
+      </a:solidFill>
+      <a:ln w="9525" cap="flat" cmpd="sng" algn="ctr">
+        <a:solidFill>
+          <a:schemeClr val="tx1">
+            <a:lumMod val="65000"/>
+            <a:lumOff val="35000"/>
+          </a:schemeClr>
+        </a:solidFill>
+        <a:round/>
+      </a:ln>
+    </cs:spPr>
+  </cs:downBar>
+  <cs:dropLine>
+    <cs:lnRef idx="0"/>
+    <cs:fillRef idx="0"/>
+    <cs:effectRef idx="0"/>
+    <cs:fontRef idx="minor">
+      <a:schemeClr val="tx1"/>
+    </cs:fontRef>
+    <cs:spPr>
+      <a:ln w="9525" cap="flat" cmpd="sng" algn="ctr">
+        <a:solidFill>
+          <a:schemeClr val="tx1">
+            <a:lumMod val="35000"/>
+            <a:lumOff val="65000"/>
+          </a:schemeClr>
+        </a:solidFill>
+        <a:round/>
+      </a:ln>
+    </cs:spPr>
+  </cs:dropLine>
+  <cs:errorBar>
+    <cs:lnRef idx="0"/>
+    <cs:fillRef idx="0"/>
+    <cs:effectRef idx="0"/>
+    <cs:fontRef idx="minor">
+      <a:schemeClr val="tx1"/>
+    </cs:fontRef>
+    <cs:spPr>
+      <a:ln w="9525" cap="flat" cmpd="sng" algn="ctr">
+        <a:solidFill>
+          <a:schemeClr val="tx1">
+            <a:lumMod val="65000"/>
+            <a:lumOff val="35000"/>
+          </a:schemeClr>
+        </a:solidFill>
+        <a:round/>
+      </a:ln>
+    </cs:spPr>
+  </cs:errorBar>
+  <cs:floor>
+    <cs:lnRef idx="0"/>
+    <cs:fillRef idx="0"/>
+    <cs:effectRef idx="0"/>
+    <cs:fontRef idx="minor">
+      <a:schemeClr val="tx1"/>
+    </cs:fontRef>
+    <cs:spPr>
+      <a:noFill/>
+      <a:ln>
+        <a:noFill/>
+      </a:ln>
+    </cs:spPr>
+  </cs:floor>
+  <cs:gridlineMajor>
+    <cs:lnRef idx="0"/>
+    <cs:fillRef idx="0"/>
+    <cs:effectRef idx="0"/>
+    <cs:fontRef idx="minor">
+      <a:schemeClr val="tx1"/>
+    </cs:fontRef>
+    <cs:spPr>
+      <a:ln w="9525" cap="flat" cmpd="sng" algn="ctr">
+        <a:solidFill>
+          <a:schemeClr val="tx1">
+            <a:lumMod val="15000"/>
+            <a:lumOff val="85000"/>
+          </a:schemeClr>
+        </a:solidFill>
+        <a:round/>
+      </a:ln>
+    </cs:spPr>
+  </cs:gridlineMajor>
+  <cs:gridlineMinor>
+    <cs:lnRef idx="0"/>
+    <cs:fillRef idx="0"/>
+    <cs:effectRef idx="0"/>
+    <cs:fontRef idx="minor">
+      <a:schemeClr val="tx1"/>
+    </cs:fontRef>
+    <cs:spPr>
+      <a:ln w="9525" cap="flat" cmpd="sng" algn="ctr">
+        <a:solidFill>
+          <a:schemeClr val="tx1">
+            <a:lumMod val="5000"/>
+            <a:lumOff val="95000"/>
+          </a:schemeClr>
+        </a:solidFill>
+        <a:round/>
+      </a:ln>
+    </cs:spPr>
+  </cs:gridlineMinor>
+  <cs:hiLoLine>
+    <cs:lnRef idx="0"/>
+    <cs:fillRef idx="0"/>
+    <cs:effectRef idx="0"/>
+    <cs:fontRef idx="minor">
+      <a:schemeClr val="tx1"/>
+    </cs:fontRef>
+    <cs:spPr>
+      <a:ln w="9525" cap="flat" cmpd="sng" algn="ctr">
+        <a:solidFill>
+          <a:schemeClr val="tx1">
+            <a:lumMod val="50000"/>
+            <a:lumOff val="50000"/>
+          </a:schemeClr>
+        </a:solidFill>
+        <a:round/>
+      </a:ln>
+    </cs:spPr>
+  </cs:hiLoLine>
+  <cs:leaderLine>
+    <cs:lnRef idx="0"/>
+    <cs:fillRef idx="0"/>
+    <cs:effectRef idx="0"/>
+    <cs:fontRef idx="minor">
+      <a:schemeClr val="tx1"/>
+    </cs:fontRef>
+    <cs:spPr>
+      <a:ln w="9525" cap="flat" cmpd="sng" algn="ctr">
+        <a:solidFill>
+          <a:schemeClr val="tx1">
+            <a:lumMod val="35000"/>
+            <a:lumOff val="65000"/>
+          </a:schemeClr>
+        </a:solidFill>
+        <a:round/>
+      </a:ln>
+    </cs:spPr>
+  </cs:leaderLine>
+  <cs:legend>
+    <cs:lnRef idx="0"/>
+    <cs:fillRef idx="0"/>
+    <cs:effectRef idx="0"/>
+    <cs:fontRef idx="minor">
+      <a:schemeClr val="tx1">
+        <a:lumMod val="65000"/>
+        <a:lumOff val="35000"/>
+      </a:schemeClr>
+    </cs:fontRef>
+    <cs:defRPr sz="1197" kern="1200"/>
+  </cs:legend>
+  <cs:plotArea mods="allowNoFillOverride allowNoLineOverride">
+    <cs:lnRef idx="0"/>
+    <cs:fillRef idx="0"/>
+    <cs:effectRef idx="0"/>
+    <cs:fontRef idx="minor">
+      <a:schemeClr val="tx1"/>
+    </cs:fontRef>
+  </cs:plotArea>
+  <cs:plotArea3D mods="allowNoFillOverride allowNoLineOverride">
+    <cs:lnRef idx="0"/>
+    <cs:fillRef idx="0"/>
+    <cs:effectRef idx="0"/>
+    <cs:fontRef idx="minor">
+      <a:schemeClr val="tx1"/>
+    </cs:fontRef>
+  </cs:plotArea3D>
+  <cs:seriesAxis>
+    <cs:lnRef idx="0"/>
+    <cs:fillRef idx="0"/>
+    <cs:effectRef idx="0"/>
+    <cs:fontRef idx="minor">
+      <a:schemeClr val="tx1">
+        <a:lumMod val="65000"/>
+        <a:lumOff val="35000"/>
+      </a:schemeClr>
+    </cs:fontRef>
+    <cs:defRPr sz="1197" kern="1200"/>
+  </cs:seriesAxis>
+  <cs:seriesLine>
+    <cs:lnRef idx="0"/>
+    <cs:fillRef idx="0"/>
+    <cs:effectRef idx="0"/>
+    <cs:fontRef idx="minor">
+      <a:schemeClr val="tx1"/>
+    </cs:fontRef>
+    <cs:spPr>
+      <a:ln w="9525" cap="flat" cmpd="sng" algn="ctr">
+        <a:solidFill>
+          <a:schemeClr val="tx1">
+            <a:lumMod val="35000"/>
+            <a:lumOff val="65000"/>
+          </a:schemeClr>
+        </a:solidFill>
+        <a:round/>
+      </a:ln>
+    </cs:spPr>
+  </cs:seriesLine>
+  <cs:title>
+    <cs:lnRef idx="0"/>
+    <cs:fillRef idx="0"/>
+    <cs:effectRef idx="0"/>
+    <cs:fontRef idx="minor">
+      <a:schemeClr val="tx1">
+        <a:lumMod val="65000"/>
+        <a:lumOff val="35000"/>
+      </a:schemeClr>
+    </cs:fontRef>
+    <cs:defRPr sz="1862" b="0" kern="1200" spc="0" baseline="0"/>
+  </cs:title>
+  <cs:trendline>
+    <cs:lnRef idx="0">
+      <cs:styleClr val="auto"/>
+    </cs:lnRef>
+    <cs:fillRef idx="0"/>
+    <cs:effectRef idx="0"/>
+    <cs:fontRef idx="minor">
+      <a:schemeClr val="tx1"/>
+    </cs:fontRef>
+    <cs:spPr>
+      <a:ln w="19050" cap="rnd">
+        <a:solidFill>
+          <a:schemeClr val="phClr"/>
+        </a:solidFill>
+        <a:prstDash val="sysDot"/>
+      </a:ln>
+    </cs:spPr>
+  </cs:trendline>
+  <cs:trendlineLabel>
+    <cs:lnRef idx="0"/>
+    <cs:fillRef idx="0"/>
+    <cs:effectRef idx="0"/>
+    <cs:fontRef idx="minor">
+      <a:schemeClr val="tx1">
+        <a:lumMod val="65000"/>
+        <a:lumOff val="35000"/>
+      </a:schemeClr>
+    </cs:fontRef>
+    <cs:defRPr sz="1197" kern="1200"/>
+  </cs:trendlineLabel>
+  <cs:upBar>
+    <cs:lnRef idx="0"/>
+    <cs:fillRef idx="0"/>
+    <cs:effectRef idx="0"/>
+    <cs:fontRef idx="minor">
+      <a:schemeClr val="tx1"/>
+    </cs:fontRef>
+    <cs:spPr>
+      <a:solidFill>
+        <a:schemeClr val="lt1"/>
+      </a:solidFill>
+      <a:ln w="9525" cap="flat" cmpd="sng" algn="ctr">
+        <a:solidFill>
+          <a:schemeClr val="tx1">
+            <a:lumMod val="65000"/>
+            <a:lumOff val="35000"/>
+          </a:schemeClr>
+        </a:solidFill>
+        <a:round/>
+      </a:ln>
+    </cs:spPr>
+  </cs:upBar>
+  <cs:valueAxis>
+    <cs:lnRef idx="0"/>
+    <cs:fillRef idx="0"/>
+    <cs:effectRef idx="0"/>
+    <cs:fontRef idx="minor">
+      <a:schemeClr val="tx1">
+        <a:lumMod val="65000"/>
+        <a:lumOff val="35000"/>
+      </a:schemeClr>
+    </cs:fontRef>
+    <cs:defRPr sz="1197" kern="1200"/>
+  </cs:valueAxis>
+  <cs:wall>
+    <cs:lnRef idx="0"/>
+    <cs:fillRef idx="0"/>
+    <cs:effectRef idx="0"/>
+    <cs:fontRef idx="minor">
+      <a:schemeClr val="tx1"/>
+    </cs:fontRef>
+    <cs:spPr>
+      <a:noFill/>
+      <a:ln>
+        <a:noFill/>
+      </a:ln>
+    </cs:spPr>
+  </cs:wall>
+</cs:chartStyle>
 </file>
 
 <file path=ppt/slideLayouts/slideLayout1.xml><?xml version="1.0" encoding="utf-8"?>
@@ -12970,14 +14567,14 @@
       </p:grpSpPr>
       <p:sp>
         <p:nvSpPr>
-          <p:cNvPr id="268" name="CustomShape 1"/>
+          <p:cNvPr id="263" name="CustomShape 1"/>
           <p:cNvSpPr/>
           <p:nvPr/>
         </p:nvSpPr>
         <p:spPr>
           <a:xfrm>
-            <a:off x="685800" y="304920"/>
-            <a:ext cx="7770600" cy="1468080"/>
+            <a:off x="1460160" y="304920"/>
+            <a:ext cx="5841000" cy="759960"/>
           </a:xfrm>
           <a:prstGeom prst="rect">
             <a:avLst/>
@@ -13000,7 +14597,7 @@
           <a:fontRef idx="minor"/>
         </p:style>
         <p:txBody>
-          <a:bodyPr lIns="90000" tIns="45000" rIns="90000" bIns="45000" anchor="ctr"/>
+          <a:bodyPr lIns="90000" tIns="45000" rIns="90000" bIns="45000"/>
           <a:lstStyle/>
           <a:p>
             <a:pPr algn="ctr">
@@ -13016,37 +14613,17 @@
                 <a:latin typeface="Calibri"/>
                 <a:ea typeface="DejaVu Sans"/>
               </a:rPr>
-              <a:t>Most Important Algorithm</a:t>
+              <a:t>System Architecture</a:t>
             </a:r>
             <a:endParaRPr lang="en-US" sz="4400" b="0" strike="noStrike" spc="-1">
               <a:latin typeface="Arial"/>
             </a:endParaRPr>
           </a:p>
-          <a:p>
-            <a:pPr algn="ctr">
-              <a:lnSpc>
-                <a:spcPct val="100000"/>
-              </a:lnSpc>
-            </a:pPr>
-            <a:r>
-              <a:rPr lang="en-US" sz="4400" b="0" strike="noStrike" spc="-1">
-                <a:solidFill>
-                  <a:srgbClr val="000000"/>
-                </a:solidFill>
-                <a:latin typeface="Calibri"/>
-                <a:ea typeface="DejaVu Sans"/>
-              </a:rPr>
-              <a:t>Sentiment Analysis</a:t>
-            </a:r>
-            <a:endParaRPr lang="en-US" sz="4400" b="0" strike="noStrike" spc="-1">
-              <a:latin typeface="Arial"/>
-            </a:endParaRPr>
-          </a:p>
         </p:txBody>
       </p:sp>
       <p:pic>
         <p:nvPicPr>
-          <p:cNvPr id="269" name="Picture 170"/>
+          <p:cNvPr id="264" name="Picture 170"/>
           <p:cNvPicPr/>
           <p:nvPr/>
         </p:nvPicPr>
@@ -13067,16 +14644,39 @@
           </a:ln>
         </p:spPr>
       </p:pic>
-      <p:sp>
-        <p:nvSpPr>
-          <p:cNvPr id="270" name="TextShape 2"/>
-          <p:cNvSpPr txBox="1"/>
+      <p:pic>
+        <p:nvPicPr>
+          <p:cNvPr id="265" name="Picture 1"/>
+          <p:cNvPicPr/>
           <p:nvPr/>
-        </p:nvSpPr>
-        <p:spPr>
-          <a:xfrm>
-            <a:off x="456840" y="3238560"/>
-            <a:ext cx="8228880" cy="1144440"/>
+        </p:nvPicPr>
+        <p:blipFill>
+          <a:blip r:embed="rId3"/>
+          <a:stretch/>
+        </p:blipFill>
+        <p:spPr>
+          <a:xfrm>
+            <a:off x="325080" y="1244520"/>
+            <a:ext cx="7838640" cy="5486040"/>
+          </a:xfrm>
+          <a:prstGeom prst="rect">
+            <a:avLst/>
+          </a:prstGeom>
+          <a:ln>
+            <a:noFill/>
+          </a:ln>
+        </p:spPr>
+      </p:pic>
+      <p:sp>
+        <p:nvSpPr>
+          <p:cNvPr id="266" name="CustomShape 2"/>
+          <p:cNvSpPr/>
+          <p:nvPr/>
+        </p:nvSpPr>
+        <p:spPr>
+          <a:xfrm>
+            <a:off x="5935680" y="1354320"/>
+            <a:ext cx="833040" cy="394920"/>
           </a:xfrm>
           <a:prstGeom prst="rect">
             <a:avLst/>
@@ -13086,116 +14686,114 @@
             <a:noFill/>
           </a:ln>
         </p:spPr>
-        <p:txBody>
-          <a:bodyPr lIns="0" tIns="0" rIns="0" bIns="0" anchor="ctr"/>
-          <a:lstStyle/>
-          <a:p>
-            <a:pPr marL="571680" indent="-571320">
+        <p:style>
+          <a:lnRef idx="0">
+            <a:scrgbClr r="0" g="0" b="0"/>
+          </a:lnRef>
+          <a:fillRef idx="0">
+            <a:scrgbClr r="0" g="0" b="0"/>
+          </a:fillRef>
+          <a:effectRef idx="0">
+            <a:scrgbClr r="0" g="0" b="0"/>
+          </a:effectRef>
+          <a:fontRef idx="minor"/>
+        </p:style>
+        <p:txBody>
+          <a:bodyPr lIns="90000" tIns="45000" rIns="90000" bIns="45000"/>
+          <a:lstStyle/>
+          <a:p>
+            <a:pPr>
               <a:lnSpc>
-                <a:spcPct val="90000"/>
+                <a:spcPct val="100000"/>
               </a:lnSpc>
-              <a:spcBef>
-                <a:spcPts val="1001"/>
-              </a:spcBef>
-              <a:buClr>
-                <a:srgbClr val="000000"/>
-              </a:buClr>
-              <a:buFont typeface="Arial"/>
-              <a:buChar char="•"/>
             </a:pPr>
             <a:r>
-              <a:rPr lang="en-US" sz="2800" b="0" strike="noStrike" spc="-1">
+              <a:rPr lang="en-US" sz="1000" b="0" strike="noStrike" spc="-1">
                 <a:solidFill>
                   <a:srgbClr val="000000"/>
                 </a:solidFill>
                 <a:latin typeface="Arial"/>
                 <a:ea typeface="DejaVu Sans"/>
               </a:rPr>
-              <a:t>What is Sentiment Analysis ?</a:t>
+              <a:t>Feature</a:t>
             </a:r>
-            <a:endParaRPr lang="en-US" sz="2800" b="0" strike="noStrike" spc="-1">
+            <a:endParaRPr lang="en-US" sz="1000" b="0" strike="noStrike" spc="-1">
               <a:latin typeface="Arial"/>
             </a:endParaRPr>
           </a:p>
           <a:p>
             <a:pPr>
               <a:lnSpc>
-                <a:spcPct val="90000"/>
+                <a:spcPct val="100000"/>
               </a:lnSpc>
-              <a:spcBef>
-                <a:spcPts val="1001"/>
-              </a:spcBef>
-            </a:pPr>
-            <a:endParaRPr lang="en-US" sz="2800" b="0" strike="noStrike" spc="-1">
-              <a:latin typeface="Arial"/>
-            </a:endParaRPr>
-          </a:p>
-          <a:p>
-            <a:pPr marL="571680" indent="-571320">
-              <a:lnSpc>
-                <a:spcPct val="90000"/>
-              </a:lnSpc>
-              <a:spcBef>
-                <a:spcPts val="1001"/>
-              </a:spcBef>
-              <a:buClr>
-                <a:srgbClr val="000000"/>
-              </a:buClr>
-              <a:buFont typeface="Arial"/>
-              <a:buChar char="•"/>
             </a:pPr>
             <a:r>
-              <a:rPr lang="en-US" sz="2800" b="0" strike="noStrike" spc="-1">
+              <a:rPr lang="en-US" sz="1000" b="0" strike="noStrike" spc="-1">
                 <a:solidFill>
                   <a:srgbClr val="000000"/>
                 </a:solidFill>
                 <a:latin typeface="Arial"/>
                 <a:ea typeface="DejaVu Sans"/>
               </a:rPr>
-              <a:t>Why we chose it ?</a:t>
+              <a:t>Extraction</a:t>
             </a:r>
-            <a:endParaRPr lang="en-US" sz="2800" b="0" strike="noStrike" spc="-1">
-              <a:latin typeface="Arial"/>
-            </a:endParaRPr>
-          </a:p>
+            <a:endParaRPr lang="en-US" sz="1000" b="0" strike="noStrike" spc="-1">
+              <a:latin typeface="Arial"/>
+            </a:endParaRPr>
+          </a:p>
+        </p:txBody>
+      </p:sp>
+      <p:sp>
+        <p:nvSpPr>
+          <p:cNvPr id="267" name="CustomShape 3"/>
+          <p:cNvSpPr/>
+          <p:nvPr/>
+        </p:nvSpPr>
+        <p:spPr>
+          <a:xfrm>
+            <a:off x="6769080" y="1354320"/>
+            <a:ext cx="964800" cy="242640"/>
+          </a:xfrm>
+          <a:prstGeom prst="rect">
+            <a:avLst/>
+          </a:prstGeom>
+          <a:noFill/>
+          <a:ln>
+            <a:noFill/>
+          </a:ln>
+        </p:spPr>
+        <p:style>
+          <a:lnRef idx="0">
+            <a:scrgbClr r="0" g="0" b="0"/>
+          </a:lnRef>
+          <a:fillRef idx="0">
+            <a:scrgbClr r="0" g="0" b="0"/>
+          </a:fillRef>
+          <a:effectRef idx="0">
+            <a:scrgbClr r="0" g="0" b="0"/>
+          </a:effectRef>
+          <a:fontRef idx="minor"/>
+        </p:style>
+        <p:txBody>
+          <a:bodyPr lIns="90000" tIns="45000" rIns="90000" bIns="45000"/>
+          <a:lstStyle/>
           <a:p>
             <a:pPr>
               <a:lnSpc>
-                <a:spcPct val="90000"/>
+                <a:spcPct val="100000"/>
               </a:lnSpc>
-              <a:spcBef>
-                <a:spcPts val="1001"/>
-              </a:spcBef>
-            </a:pPr>
-            <a:endParaRPr lang="en-US" sz="2800" b="0" strike="noStrike" spc="-1">
-              <a:latin typeface="Arial"/>
-            </a:endParaRPr>
-          </a:p>
-          <a:p>
-            <a:pPr marL="571680" indent="-571320">
-              <a:lnSpc>
-                <a:spcPct val="90000"/>
-              </a:lnSpc>
-              <a:spcBef>
-                <a:spcPts val="1001"/>
-              </a:spcBef>
-              <a:buClr>
-                <a:srgbClr val="000000"/>
-              </a:buClr>
-              <a:buFont typeface="Arial"/>
-              <a:buChar char="•"/>
             </a:pPr>
             <a:r>
-              <a:rPr lang="en-US" sz="2800" b="0" strike="noStrike" spc="-1">
+              <a:rPr lang="en-US" sz="1000" b="0" strike="noStrike" spc="-1">
                 <a:solidFill>
                   <a:srgbClr val="000000"/>
                 </a:solidFill>
                 <a:latin typeface="Arial"/>
                 <a:ea typeface="DejaVu Sans"/>
               </a:rPr>
-              <a:t>How it works ?</a:t>
+              <a:t>Classifiers</a:t>
             </a:r>
-            <a:endParaRPr lang="en-US" sz="2800" b="0" strike="noStrike" spc="-1">
+            <a:endParaRPr lang="en-US" sz="1000" b="0" strike="noStrike" spc="-1">
               <a:latin typeface="Arial"/>
             </a:endParaRPr>
           </a:p>
@@ -13255,6 +14853,291 @@
       </p:grpSpPr>
       <p:sp>
         <p:nvSpPr>
+          <p:cNvPr id="268" name="CustomShape 1"/>
+          <p:cNvSpPr/>
+          <p:nvPr/>
+        </p:nvSpPr>
+        <p:spPr>
+          <a:xfrm>
+            <a:off x="685800" y="304920"/>
+            <a:ext cx="7770600" cy="1468080"/>
+          </a:xfrm>
+          <a:prstGeom prst="rect">
+            <a:avLst/>
+          </a:prstGeom>
+          <a:noFill/>
+          <a:ln>
+            <a:noFill/>
+          </a:ln>
+        </p:spPr>
+        <p:style>
+          <a:lnRef idx="0">
+            <a:scrgbClr r="0" g="0" b="0"/>
+          </a:lnRef>
+          <a:fillRef idx="0">
+            <a:scrgbClr r="0" g="0" b="0"/>
+          </a:fillRef>
+          <a:effectRef idx="0">
+            <a:scrgbClr r="0" g="0" b="0"/>
+          </a:effectRef>
+          <a:fontRef idx="minor"/>
+        </p:style>
+        <p:txBody>
+          <a:bodyPr lIns="90000" tIns="45000" rIns="90000" bIns="45000" anchor="ctr"/>
+          <a:lstStyle/>
+          <a:p>
+            <a:pPr algn="ctr">
+              <a:lnSpc>
+                <a:spcPct val="100000"/>
+              </a:lnSpc>
+            </a:pPr>
+            <a:r>
+              <a:rPr lang="en-US" sz="4400" b="0" strike="noStrike" spc="-1">
+                <a:solidFill>
+                  <a:srgbClr val="000000"/>
+                </a:solidFill>
+                <a:latin typeface="Calibri"/>
+                <a:ea typeface="DejaVu Sans"/>
+              </a:rPr>
+              <a:t>Most Important Algorithm</a:t>
+            </a:r>
+            <a:endParaRPr lang="en-US" sz="4400" b="0" strike="noStrike" spc="-1">
+              <a:latin typeface="Arial"/>
+            </a:endParaRPr>
+          </a:p>
+          <a:p>
+            <a:pPr algn="ctr">
+              <a:lnSpc>
+                <a:spcPct val="100000"/>
+              </a:lnSpc>
+            </a:pPr>
+            <a:r>
+              <a:rPr lang="en-US" sz="4400" b="0" strike="noStrike" spc="-1">
+                <a:solidFill>
+                  <a:srgbClr val="000000"/>
+                </a:solidFill>
+                <a:latin typeface="Calibri"/>
+                <a:ea typeface="DejaVu Sans"/>
+              </a:rPr>
+              <a:t>Sentiment Analysis</a:t>
+            </a:r>
+            <a:endParaRPr lang="en-US" sz="4400" b="0" strike="noStrike" spc="-1">
+              <a:latin typeface="Arial"/>
+            </a:endParaRPr>
+          </a:p>
+        </p:txBody>
+      </p:sp>
+      <p:pic>
+        <p:nvPicPr>
+          <p:cNvPr id="269" name="Picture 170"/>
+          <p:cNvPicPr/>
+          <p:nvPr/>
+        </p:nvPicPr>
+        <p:blipFill>
+          <a:blip r:embed="rId2"/>
+          <a:stretch/>
+        </p:blipFill>
+        <p:spPr>
+          <a:xfrm>
+            <a:off x="7760880" y="92160"/>
+            <a:ext cx="1382400" cy="1096560"/>
+          </a:xfrm>
+          <a:prstGeom prst="rect">
+            <a:avLst/>
+          </a:prstGeom>
+          <a:ln>
+            <a:noFill/>
+          </a:ln>
+        </p:spPr>
+      </p:pic>
+      <p:sp>
+        <p:nvSpPr>
+          <p:cNvPr id="270" name="TextShape 2"/>
+          <p:cNvSpPr txBox="1"/>
+          <p:nvPr/>
+        </p:nvSpPr>
+        <p:spPr>
+          <a:xfrm>
+            <a:off x="456840" y="3238560"/>
+            <a:ext cx="8228880" cy="1144440"/>
+          </a:xfrm>
+          <a:prstGeom prst="rect">
+            <a:avLst/>
+          </a:prstGeom>
+          <a:noFill/>
+          <a:ln>
+            <a:noFill/>
+          </a:ln>
+        </p:spPr>
+        <p:txBody>
+          <a:bodyPr lIns="0" tIns="0" rIns="0" bIns="0" anchor="ctr"/>
+          <a:lstStyle/>
+          <a:p>
+            <a:pPr marL="571680" indent="-571320">
+              <a:lnSpc>
+                <a:spcPct val="90000"/>
+              </a:lnSpc>
+              <a:spcBef>
+                <a:spcPts val="1001"/>
+              </a:spcBef>
+              <a:buClr>
+                <a:srgbClr val="000000"/>
+              </a:buClr>
+              <a:buFont typeface="Arial"/>
+              <a:buChar char="•"/>
+            </a:pPr>
+            <a:r>
+              <a:rPr lang="en-US" sz="2800" b="0" strike="noStrike" spc="-1">
+                <a:solidFill>
+                  <a:srgbClr val="000000"/>
+                </a:solidFill>
+                <a:latin typeface="Arial"/>
+                <a:ea typeface="DejaVu Sans"/>
+              </a:rPr>
+              <a:t>What is Sentiment Analysis ?</a:t>
+            </a:r>
+            <a:endParaRPr lang="en-US" sz="2800" b="0" strike="noStrike" spc="-1">
+              <a:latin typeface="Arial"/>
+            </a:endParaRPr>
+          </a:p>
+          <a:p>
+            <a:pPr>
+              <a:lnSpc>
+                <a:spcPct val="90000"/>
+              </a:lnSpc>
+              <a:spcBef>
+                <a:spcPts val="1001"/>
+              </a:spcBef>
+            </a:pPr>
+            <a:endParaRPr lang="en-US" sz="2800" b="0" strike="noStrike" spc="-1">
+              <a:latin typeface="Arial"/>
+            </a:endParaRPr>
+          </a:p>
+          <a:p>
+            <a:pPr marL="571680" indent="-571320">
+              <a:lnSpc>
+                <a:spcPct val="90000"/>
+              </a:lnSpc>
+              <a:spcBef>
+                <a:spcPts val="1001"/>
+              </a:spcBef>
+              <a:buClr>
+                <a:srgbClr val="000000"/>
+              </a:buClr>
+              <a:buFont typeface="Arial"/>
+              <a:buChar char="•"/>
+            </a:pPr>
+            <a:r>
+              <a:rPr lang="en-US" sz="2800" b="0" strike="noStrike" spc="-1">
+                <a:solidFill>
+                  <a:srgbClr val="000000"/>
+                </a:solidFill>
+                <a:latin typeface="Arial"/>
+                <a:ea typeface="DejaVu Sans"/>
+              </a:rPr>
+              <a:t>Why we chose it ?</a:t>
+            </a:r>
+            <a:endParaRPr lang="en-US" sz="2800" b="0" strike="noStrike" spc="-1">
+              <a:latin typeface="Arial"/>
+            </a:endParaRPr>
+          </a:p>
+          <a:p>
+            <a:pPr>
+              <a:lnSpc>
+                <a:spcPct val="90000"/>
+              </a:lnSpc>
+              <a:spcBef>
+                <a:spcPts val="1001"/>
+              </a:spcBef>
+            </a:pPr>
+            <a:endParaRPr lang="en-US" sz="2800" b="0" strike="noStrike" spc="-1">
+              <a:latin typeface="Arial"/>
+            </a:endParaRPr>
+          </a:p>
+          <a:p>
+            <a:pPr marL="571680" indent="-571320">
+              <a:lnSpc>
+                <a:spcPct val="90000"/>
+              </a:lnSpc>
+              <a:spcBef>
+                <a:spcPts val="1001"/>
+              </a:spcBef>
+              <a:buClr>
+                <a:srgbClr val="000000"/>
+              </a:buClr>
+              <a:buFont typeface="Arial"/>
+              <a:buChar char="•"/>
+            </a:pPr>
+            <a:r>
+              <a:rPr lang="en-US" sz="2800" b="0" strike="noStrike" spc="-1">
+                <a:solidFill>
+                  <a:srgbClr val="000000"/>
+                </a:solidFill>
+                <a:latin typeface="Arial"/>
+                <a:ea typeface="DejaVu Sans"/>
+              </a:rPr>
+              <a:t>How it works ?</a:t>
+            </a:r>
+            <a:endParaRPr lang="en-US" sz="2800" b="0" strike="noStrike" spc="-1">
+              <a:latin typeface="Arial"/>
+            </a:endParaRPr>
+          </a:p>
+        </p:txBody>
+      </p:sp>
+    </p:spTree>
+  </p:cSld>
+  <p:clrMapOvr>
+    <a:masterClrMapping/>
+  </p:clrMapOvr>
+  <p:timing>
+    <p:tnLst>
+      <p:par>
+        <p:cTn id="1" dur="indefinite" restart="never" nodeType="tmRoot">
+          <p:childTnLst>
+            <p:seq>
+              <p:cTn id="2" dur="indefinite" nodeType="mainSeq"/>
+              <p:prevCondLst>
+                <p:cond evt="onPrev" delay="0">
+                  <p:tgtEl>
+                    <p:sldTgt/>
+                  </p:tgtEl>
+                </p:cond>
+              </p:prevCondLst>
+              <p:nextCondLst>
+                <p:cond evt="onNext" delay="0">
+                  <p:tgtEl>
+                    <p:sldTgt/>
+                  </p:tgtEl>
+                </p:cond>
+              </p:nextCondLst>
+            </p:seq>
+          </p:childTnLst>
+        </p:cTn>
+      </p:par>
+    </p:tnLst>
+  </p:timing>
+</p:sld>
+</file>
+
+<file path=ppt/slides/slide12.xml><?xml version="1.0" encoding="utf-8"?>
+<p:sld xmlns:a="http://schemas.openxmlformats.org/drawingml/2006/main" xmlns:r="http://schemas.openxmlformats.org/officeDocument/2006/relationships" xmlns:p="http://schemas.openxmlformats.org/presentationml/2006/main">
+  <p:cSld>
+    <p:spTree>
+      <p:nvGrpSpPr>
+        <p:cNvPr id="1" name=""/>
+        <p:cNvGrpSpPr/>
+        <p:nvPr/>
+      </p:nvGrpSpPr>
+      <p:grpSpPr>
+        <a:xfrm>
+          <a:off x="0" y="0"/>
+          <a:ext cx="0" cy="0"/>
+          <a:chOff x="0" y="0"/>
+          <a:chExt cx="0" cy="0"/>
+        </a:xfrm>
+      </p:grpSpPr>
+      <p:sp>
+        <p:nvSpPr>
           <p:cNvPr id="294" name="CustomShape 1"/>
           <p:cNvSpPr/>
           <p:nvPr/>
@@ -13367,7 +15250,7 @@
 </p:sld>
 </file>
 
-<file path=ppt/slides/slide12.xml><?xml version="1.0" encoding="utf-8"?>
+<file path=ppt/slides/slide13.xml><?xml version="1.0" encoding="utf-8"?>
 <p:sld xmlns:a="http://schemas.openxmlformats.org/drawingml/2006/main" xmlns:r="http://schemas.openxmlformats.org/officeDocument/2006/relationships" xmlns:p="http://schemas.openxmlformats.org/presentationml/2006/main">
   <p:cSld>
     <p:spTree>
@@ -14215,7 +16098,7 @@
 </p:sld>
 </file>
 
-<file path=ppt/slides/slide13.xml><?xml version="1.0" encoding="utf-8"?>
+<file path=ppt/slides/slide14.xml><?xml version="1.0" encoding="utf-8"?>
 <p:sld xmlns:a="http://schemas.openxmlformats.org/drawingml/2006/main" xmlns:r="http://schemas.openxmlformats.org/officeDocument/2006/relationships" xmlns:p="http://schemas.openxmlformats.org/presentationml/2006/main">
   <p:cSld>
     <p:spTree>
@@ -14367,7 +16250,7 @@
 </p:sld>
 </file>
 
-<file path=ppt/slides/slide14.xml><?xml version="1.0" encoding="utf-8"?>
+<file path=ppt/slides/slide15.xml><?xml version="1.0" encoding="utf-8"?>
 <p:sld xmlns:a="http://schemas.openxmlformats.org/drawingml/2006/main" xmlns:r="http://schemas.openxmlformats.org/officeDocument/2006/relationships" xmlns:p="http://schemas.openxmlformats.org/presentationml/2006/main">
   <p:cSld>
     <p:spTree>
@@ -15156,7 +17039,7 @@
 </p:sld>
 </file>
 
-<file path=ppt/slides/slide15.xml><?xml version="1.0" encoding="utf-8"?>
+<file path=ppt/slides/slide16.xml><?xml version="1.0" encoding="utf-8"?>
 <p:sld xmlns:a="http://schemas.openxmlformats.org/drawingml/2006/main" xmlns:r="http://schemas.openxmlformats.org/officeDocument/2006/relationships" xmlns:p="http://schemas.openxmlformats.org/presentationml/2006/main">
   <p:cSld>
     <p:spTree>
@@ -15266,128 +17149,6 @@
           <a:xfrm>
             <a:off x="7760880" y="92160"/>
             <a:ext cx="1382400" cy="1096560"/>
-          </a:xfrm>
-          <a:prstGeom prst="rect">
-            <a:avLst/>
-          </a:prstGeom>
-          <a:ln>
-            <a:noFill/>
-          </a:ln>
-        </p:spPr>
-      </p:pic>
-    </p:spTree>
-  </p:cSld>
-  <p:clrMapOvr>
-    <a:masterClrMapping/>
-  </p:clrMapOvr>
-  <p:timing>
-    <p:tnLst>
-      <p:par>
-        <p:cTn id="1" dur="indefinite" restart="never" nodeType="tmRoot">
-          <p:childTnLst>
-            <p:seq>
-              <p:cTn id="2" dur="indefinite" nodeType="mainSeq"/>
-              <p:prevCondLst>
-                <p:cond evt="onPrev" delay="0">
-                  <p:tgtEl>
-                    <p:sldTgt/>
-                  </p:tgtEl>
-                </p:cond>
-              </p:prevCondLst>
-              <p:nextCondLst>
-                <p:cond evt="onNext" delay="0">
-                  <p:tgtEl>
-                    <p:sldTgt/>
-                  </p:tgtEl>
-                </p:cond>
-              </p:nextCondLst>
-            </p:seq>
-          </p:childTnLst>
-        </p:cTn>
-      </p:par>
-    </p:tnLst>
-  </p:timing>
-</p:sld>
-</file>
-
-<file path=ppt/slides/slide16.xml><?xml version="1.0" encoding="utf-8"?>
-<p:sld xmlns:a="http://schemas.openxmlformats.org/drawingml/2006/main" xmlns:r="http://schemas.openxmlformats.org/officeDocument/2006/relationships" xmlns:p="http://schemas.openxmlformats.org/presentationml/2006/main">
-  <p:cSld>
-    <p:spTree>
-      <p:nvGrpSpPr>
-        <p:cNvPr id="1" name=""/>
-        <p:cNvGrpSpPr/>
-        <p:nvPr/>
-      </p:nvGrpSpPr>
-      <p:grpSpPr>
-        <a:xfrm>
-          <a:off x="0" y="0"/>
-          <a:ext cx="0" cy="0"/>
-          <a:chOff x="0" y="0"/>
-          <a:chExt cx="0" cy="0"/>
-        </a:xfrm>
-      </p:grpSpPr>
-      <p:sp>
-        <p:nvSpPr>
-          <p:cNvPr id="305" name="TextShape 1"/>
-          <p:cNvSpPr txBox="1"/>
-          <p:nvPr/>
-        </p:nvSpPr>
-        <p:spPr>
-          <a:xfrm>
-            <a:off x="457200" y="273600"/>
-            <a:ext cx="8228880" cy="1144440"/>
-          </a:xfrm>
-          <a:prstGeom prst="rect">
-            <a:avLst/>
-          </a:prstGeom>
-          <a:noFill/>
-          <a:ln>
-            <a:noFill/>
-          </a:ln>
-        </p:spPr>
-        <p:txBody>
-          <a:bodyPr lIns="0" tIns="0" rIns="0" bIns="0" anchor="ctr"/>
-          <a:lstStyle/>
-          <a:p>
-            <a:pPr>
-              <a:lnSpc>
-                <a:spcPct val="90000"/>
-              </a:lnSpc>
-            </a:pPr>
-            <a:r>
-              <a:rPr lang="en-US" sz="4400" b="0" strike="noStrike" spc="-1">
-                <a:solidFill>
-                  <a:srgbClr val="000000"/>
-                </a:solidFill>
-                <a:latin typeface="Arial"/>
-                <a:ea typeface="DejaVu Sans"/>
-              </a:rPr>
-              <a:t>Block diagram</a:t>
-            </a:r>
-            <a:endParaRPr lang="en-US" sz="4400" b="0" strike="noStrike" spc="-1">
-              <a:solidFill>
-                <a:srgbClr val="000000"/>
-              </a:solidFill>
-              <a:latin typeface="Arial"/>
-            </a:endParaRPr>
-          </a:p>
-        </p:txBody>
-      </p:sp>
-      <p:pic>
-        <p:nvPicPr>
-          <p:cNvPr id="306" name="Picture 3"/>
-          <p:cNvPicPr/>
-          <p:nvPr/>
-        </p:nvPicPr>
-        <p:blipFill>
-          <a:blip r:embed="rId2"/>
-          <a:stretch/>
-        </p:blipFill>
-        <p:spPr>
-          <a:xfrm>
-            <a:off x="-360" y="1604520"/>
-            <a:ext cx="9143640" cy="4875480"/>
           </a:xfrm>
           <a:prstGeom prst="rect">
             <a:avLst/>
@@ -15451,7 +17212,7 @@
       </p:grpSpPr>
       <p:sp>
         <p:nvSpPr>
-          <p:cNvPr id="307" name="TextShape 1"/>
+          <p:cNvPr id="305" name="TextShape 1"/>
           <p:cNvSpPr txBox="1"/>
           <p:nvPr/>
         </p:nvSpPr>
@@ -15498,7 +17259,7 @@
       </p:sp>
       <p:pic>
         <p:nvPicPr>
-          <p:cNvPr id="308" name="Picture 3"/>
+          <p:cNvPr id="306" name="Picture 3"/>
           <p:cNvPicPr/>
           <p:nvPr/>
         </p:nvPicPr>
@@ -15508,8 +17269,8 @@
         </p:blipFill>
         <p:spPr>
           <a:xfrm>
-            <a:off x="347760" y="1688760"/>
-            <a:ext cx="8038080" cy="3864960"/>
+            <a:off x="-360" y="1604520"/>
+            <a:ext cx="9143640" cy="4875480"/>
           </a:xfrm>
           <a:prstGeom prst="rect">
             <a:avLst/>
@@ -15555,6 +17316,128 @@
 </file>
 
 <file path=ppt/slides/slide18.xml><?xml version="1.0" encoding="utf-8"?>
+<p:sld xmlns:a="http://schemas.openxmlformats.org/drawingml/2006/main" xmlns:r="http://schemas.openxmlformats.org/officeDocument/2006/relationships" xmlns:p="http://schemas.openxmlformats.org/presentationml/2006/main">
+  <p:cSld>
+    <p:spTree>
+      <p:nvGrpSpPr>
+        <p:cNvPr id="1" name=""/>
+        <p:cNvGrpSpPr/>
+        <p:nvPr/>
+      </p:nvGrpSpPr>
+      <p:grpSpPr>
+        <a:xfrm>
+          <a:off x="0" y="0"/>
+          <a:ext cx="0" cy="0"/>
+          <a:chOff x="0" y="0"/>
+          <a:chExt cx="0" cy="0"/>
+        </a:xfrm>
+      </p:grpSpPr>
+      <p:sp>
+        <p:nvSpPr>
+          <p:cNvPr id="307" name="TextShape 1"/>
+          <p:cNvSpPr txBox="1"/>
+          <p:nvPr/>
+        </p:nvSpPr>
+        <p:spPr>
+          <a:xfrm>
+            <a:off x="457200" y="273600"/>
+            <a:ext cx="8228880" cy="1144440"/>
+          </a:xfrm>
+          <a:prstGeom prst="rect">
+            <a:avLst/>
+          </a:prstGeom>
+          <a:noFill/>
+          <a:ln>
+            <a:noFill/>
+          </a:ln>
+        </p:spPr>
+        <p:txBody>
+          <a:bodyPr lIns="0" tIns="0" rIns="0" bIns="0" anchor="ctr"/>
+          <a:lstStyle/>
+          <a:p>
+            <a:pPr>
+              <a:lnSpc>
+                <a:spcPct val="90000"/>
+              </a:lnSpc>
+            </a:pPr>
+            <a:r>
+              <a:rPr lang="en-US" sz="4400" b="0" strike="noStrike" spc="-1">
+                <a:solidFill>
+                  <a:srgbClr val="000000"/>
+                </a:solidFill>
+                <a:latin typeface="Arial"/>
+                <a:ea typeface="DejaVu Sans"/>
+              </a:rPr>
+              <a:t>Block diagram</a:t>
+            </a:r>
+            <a:endParaRPr lang="en-US" sz="4400" b="0" strike="noStrike" spc="-1">
+              <a:solidFill>
+                <a:srgbClr val="000000"/>
+              </a:solidFill>
+              <a:latin typeface="Arial"/>
+            </a:endParaRPr>
+          </a:p>
+        </p:txBody>
+      </p:sp>
+      <p:pic>
+        <p:nvPicPr>
+          <p:cNvPr id="308" name="Picture 3"/>
+          <p:cNvPicPr/>
+          <p:nvPr/>
+        </p:nvPicPr>
+        <p:blipFill>
+          <a:blip r:embed="rId2"/>
+          <a:stretch/>
+        </p:blipFill>
+        <p:spPr>
+          <a:xfrm>
+            <a:off x="347760" y="1688760"/>
+            <a:ext cx="8038080" cy="3864960"/>
+          </a:xfrm>
+          <a:prstGeom prst="rect">
+            <a:avLst/>
+          </a:prstGeom>
+          <a:ln>
+            <a:noFill/>
+          </a:ln>
+        </p:spPr>
+      </p:pic>
+    </p:spTree>
+  </p:cSld>
+  <p:clrMapOvr>
+    <a:masterClrMapping/>
+  </p:clrMapOvr>
+  <p:timing>
+    <p:tnLst>
+      <p:par>
+        <p:cTn id="1" dur="indefinite" restart="never" nodeType="tmRoot">
+          <p:childTnLst>
+            <p:seq>
+              <p:cTn id="2" dur="indefinite" nodeType="mainSeq"/>
+              <p:prevCondLst>
+                <p:cond evt="onPrev" delay="0">
+                  <p:tgtEl>
+                    <p:sldTgt/>
+                  </p:tgtEl>
+                </p:cond>
+              </p:prevCondLst>
+              <p:nextCondLst>
+                <p:cond evt="onNext" delay="0">
+                  <p:tgtEl>
+                    <p:sldTgt/>
+                  </p:tgtEl>
+                </p:cond>
+              </p:nextCondLst>
+            </p:seq>
+          </p:childTnLst>
+        </p:cTn>
+      </p:par>
+    </p:tnLst>
+  </p:timing>
+</p:sld>
+</file>
+
+<file path=ppt/slides/slide19.xml><?xml version="1.0" encoding="utf-8"?>
 <p:sld xmlns:a="http://schemas.openxmlformats.org/drawingml/2006/main" xmlns:r="http://schemas.openxmlformats.org/officeDocument/2006/relationships" xmlns:p="http://schemas.openxmlformats.org/presentationml/2006/main">
   <p:cSld>
     <p:spTree>
@@ -18123,36 +20006,145 @@
           <a:lstStyle/>
           <a:p>
             <a:r>
-              <a:rPr lang="en-US" smtClean="0"/>
-              <a:t>Market Motivation</a:t>
+              <a:rPr lang="en-US" dirty="0" smtClean="0">
+                <a:solidFill>
+                  <a:schemeClr val="tx2"/>
+                </a:solidFill>
+              </a:rPr>
+              <a:t>System Overview</a:t>
             </a:r>
-            <a:endParaRPr lang="en-US"/>
-          </a:p>
-        </p:txBody>
-      </p:sp>
-      <p:sp>
-        <p:nvSpPr>
-          <p:cNvPr id="3" name="Subtitle 2"/>
-          <p:cNvSpPr>
-            <a:spLocks noGrp="1"/>
-          </p:cNvSpPr>
-          <p:nvPr>
-            <p:ph type="subTitle"/>
-          </p:nvPr>
-        </p:nvSpPr>
-        <p:spPr/>
-        <p:txBody>
-          <a:bodyPr/>
-          <a:lstStyle/>
-          <a:p>
-            <a:endParaRPr lang="en-US"/>
-          </a:p>
-        </p:txBody>
-      </p:sp>
+            <a:endParaRPr lang="en-US" dirty="0">
+              <a:solidFill>
+                <a:schemeClr val="tx2"/>
+              </a:solidFill>
+            </a:endParaRPr>
+          </a:p>
+        </p:txBody>
+      </p:sp>
+      <p:pic>
+        <p:nvPicPr>
+          <p:cNvPr id="4" name="Picture 3"/>
+          <p:cNvPicPr>
+            <a:picLocks noChangeAspect="1"/>
+          </p:cNvPicPr>
+          <p:nvPr/>
+        </p:nvPicPr>
+        <p:blipFill>
+          <a:blip r:embed="rId2">
+            <a:extLst>
+              <a:ext uri="{28A0092B-C50C-407E-A947-70E740481C1C}">
+                <a14:useLocalDpi xmlns:a14="http://schemas.microsoft.com/office/drawing/2010/main" val="0"/>
+              </a:ext>
+            </a:extLst>
+          </a:blip>
+          <a:stretch>
+            <a:fillRect/>
+          </a:stretch>
+        </p:blipFill>
+        <p:spPr>
+          <a:xfrm>
+            <a:off x="0" y="1593271"/>
+            <a:ext cx="9144000" cy="4423219"/>
+          </a:xfrm>
+          <a:prstGeom prst="rect">
+            <a:avLst/>
+          </a:prstGeom>
+        </p:spPr>
+      </p:pic>
+      <p:pic>
+        <p:nvPicPr>
+          <p:cNvPr id="5" name="Picture 4"/>
+          <p:cNvPicPr>
+            <a:picLocks noChangeAspect="1"/>
+          </p:cNvPicPr>
+          <p:nvPr/>
+        </p:nvPicPr>
+        <p:blipFill>
+          <a:blip r:embed="rId3" cstate="print">
+            <a:extLst>
+              <a:ext uri="{28A0092B-C50C-407E-A947-70E740481C1C}">
+                <a14:useLocalDpi xmlns:a14="http://schemas.microsoft.com/office/drawing/2010/main" val="0"/>
+              </a:ext>
+            </a:extLst>
+          </a:blip>
+          <a:stretch>
+            <a:fillRect/>
+          </a:stretch>
+        </p:blipFill>
+        <p:spPr>
+          <a:xfrm>
+            <a:off x="7439891" y="3535619"/>
+            <a:ext cx="1246549" cy="538521"/>
+          </a:xfrm>
+          <a:prstGeom prst="rect">
+            <a:avLst/>
+          </a:prstGeom>
+        </p:spPr>
+      </p:pic>
+      <p:pic>
+        <p:nvPicPr>
+          <p:cNvPr id="6" name="Picture 5"/>
+          <p:cNvPicPr>
+            <a:picLocks noChangeAspect="1"/>
+          </p:cNvPicPr>
+          <p:nvPr/>
+        </p:nvPicPr>
+        <p:blipFill>
+          <a:blip r:embed="rId4">
+            <a:extLst>
+              <a:ext uri="{28A0092B-C50C-407E-A947-70E740481C1C}">
+                <a14:useLocalDpi xmlns:a14="http://schemas.microsoft.com/office/drawing/2010/main" val="0"/>
+              </a:ext>
+            </a:extLst>
+          </a:blip>
+          <a:stretch>
+            <a:fillRect/>
+          </a:stretch>
+        </p:blipFill>
+        <p:spPr>
+          <a:xfrm>
+            <a:off x="7589729" y="1953491"/>
+            <a:ext cx="946872" cy="610954"/>
+          </a:xfrm>
+          <a:prstGeom prst="rect">
+            <a:avLst/>
+          </a:prstGeom>
+        </p:spPr>
+      </p:pic>
+      <p:pic>
+        <p:nvPicPr>
+          <p:cNvPr id="8" name="Picture 7"/>
+          <p:cNvPicPr>
+            <a:picLocks noChangeAspect="1"/>
+          </p:cNvPicPr>
+          <p:nvPr/>
+        </p:nvPicPr>
+        <p:blipFill>
+          <a:blip r:embed="rId5">
+            <a:extLst>
+              <a:ext uri="{28A0092B-C50C-407E-A947-70E740481C1C}">
+                <a14:useLocalDpi xmlns:a14="http://schemas.microsoft.com/office/drawing/2010/main" val="0"/>
+              </a:ext>
+            </a:extLst>
+          </a:blip>
+          <a:stretch>
+            <a:fillRect/>
+          </a:stretch>
+        </p:blipFill>
+        <p:spPr>
+          <a:xfrm>
+            <a:off x="7439891" y="2781022"/>
+            <a:ext cx="1210108" cy="579726"/>
+          </a:xfrm>
+          <a:prstGeom prst="rect">
+            <a:avLst/>
+          </a:prstGeom>
+        </p:spPr>
+      </p:pic>
     </p:spTree>
     <p:extLst>
       <p:ext uri="{BB962C8B-B14F-4D97-AF65-F5344CB8AC3E}">
-        <p14:creationId xmlns:p14="http://schemas.microsoft.com/office/powerpoint/2010/main" val="2954288798"/>
+        <p14:creationId xmlns:p14="http://schemas.microsoft.com/office/powerpoint/2010/main" val="2935634554"/>
       </p:ext>
     </p:extLst>
   </p:cSld>
@@ -18181,115 +20173,89 @@
       </p:grpSpPr>
       <p:sp>
         <p:nvSpPr>
-          <p:cNvPr id="296" name="CustomShape 1"/>
-          <p:cNvSpPr/>
-          <p:nvPr/>
-        </p:nvSpPr>
-        <p:spPr>
-          <a:xfrm>
-            <a:off x="3457080" y="159480"/>
-            <a:ext cx="2055600" cy="639000"/>
-          </a:xfrm>
-          <a:prstGeom prst="rect">
-            <a:avLst/>
-          </a:prstGeom>
-          <a:noFill/>
-          <a:ln>
-            <a:noFill/>
-          </a:ln>
-        </p:spPr>
-        <p:style>
-          <a:lnRef idx="0">
-            <a:scrgbClr r="0" g="0" b="0"/>
-          </a:lnRef>
-          <a:fillRef idx="0">
-            <a:scrgbClr r="0" g="0" b="0"/>
-          </a:fillRef>
-          <a:effectRef idx="0">
-            <a:scrgbClr r="0" g="0" b="0"/>
-          </a:effectRef>
-          <a:fontRef idx="minor"/>
-        </p:style>
-        <p:txBody>
-          <a:bodyPr lIns="90000" tIns="45000" rIns="90000" bIns="45000"/>
-          <a:lstStyle/>
-          <a:p>
-            <a:pPr algn="ctr">
-              <a:lnSpc>
-                <a:spcPct val="100000"/>
-              </a:lnSpc>
-            </a:pPr>
+          <p:cNvPr id="2" name="Title 1"/>
+          <p:cNvSpPr>
+            <a:spLocks noGrp="1"/>
+          </p:cNvSpPr>
+          <p:nvPr>
+            <p:ph type="title"/>
+          </p:nvPr>
+        </p:nvSpPr>
+        <p:spPr/>
+        <p:txBody>
+          <a:bodyPr/>
+          <a:lstStyle/>
+          <a:p>
             <a:r>
-              <a:rPr lang="en-US" sz="3600" b="0" strike="noStrike" spc="-1">
+              <a:rPr lang="en-US" dirty="0" smtClean="0">
                 <a:solidFill>
-                  <a:srgbClr val="000000"/>
+                  <a:schemeClr val="accent2"/>
                 </a:solidFill>
-                <a:latin typeface="Times New Roman"/>
-                <a:ea typeface="DejaVu Sans"/>
               </a:rPr>
-              <a:t>Demo</a:t>
+              <a:t>Market motivation</a:t>
             </a:r>
-            <a:endParaRPr lang="en-US" sz="3600" b="0" strike="noStrike" spc="-1">
-              <a:latin typeface="Arial"/>
-            </a:endParaRPr>
-          </a:p>
-        </p:txBody>
-      </p:sp>
-      <p:pic>
-        <p:nvPicPr>
-          <p:cNvPr id="297" name="Picture 170"/>
-          <p:cNvPicPr/>
-          <p:nvPr/>
-        </p:nvPicPr>
-        <p:blipFill>
-          <a:blip r:embed="rId2"/>
-          <a:stretch/>
-        </p:blipFill>
-        <p:spPr>
-          <a:xfrm>
-            <a:off x="7589520" y="91800"/>
-            <a:ext cx="1553400" cy="1232280"/>
-          </a:xfrm>
-          <a:prstGeom prst="rect">
-            <a:avLst/>
-          </a:prstGeom>
-          <a:ln>
-            <a:noFill/>
-          </a:ln>
-        </p:spPr>
-      </p:pic>
+            <a:endParaRPr lang="en-US" dirty="0">
+              <a:solidFill>
+                <a:schemeClr val="accent2"/>
+              </a:solidFill>
+            </a:endParaRPr>
+          </a:p>
+        </p:txBody>
+      </p:sp>
+      <p:graphicFrame>
+        <p:nvGraphicFramePr>
+          <p:cNvPr id="7" name="Chart 6"/>
+          <p:cNvGraphicFramePr/>
+          <p:nvPr>
+            <p:extLst>
+              <p:ext uri="{D42A27DB-BD31-4B8C-83A1-F6EECF244321}">
+                <p14:modId xmlns:p14="http://schemas.microsoft.com/office/powerpoint/2010/main" val="2243465510"/>
+              </p:ext>
+            </p:extLst>
+          </p:nvPr>
+        </p:nvGraphicFramePr>
+        <p:xfrm>
+          <a:off x="-1413164" y="1854200"/>
+          <a:ext cx="6096000" cy="4064000"/>
+        </p:xfrm>
+        <a:graphic>
+          <a:graphicData uri="http://schemas.openxmlformats.org/drawingml/2006/chart">
+            <c:chart xmlns:c="http://schemas.openxmlformats.org/drawingml/2006/chart" xmlns:r="http://schemas.openxmlformats.org/officeDocument/2006/relationships" r:id="rId2"/>
+          </a:graphicData>
+        </a:graphic>
+      </p:graphicFrame>
+      <p:graphicFrame>
+        <p:nvGraphicFramePr>
+          <p:cNvPr id="11" name="Chart 10"/>
+          <p:cNvGraphicFramePr/>
+          <p:nvPr>
+            <p:extLst>
+              <p:ext uri="{D42A27DB-BD31-4B8C-83A1-F6EECF244321}">
+                <p14:modId xmlns:p14="http://schemas.microsoft.com/office/powerpoint/2010/main" val="1087918154"/>
+              </p:ext>
+            </p:extLst>
+          </p:nvPr>
+        </p:nvGraphicFramePr>
+        <p:xfrm>
+          <a:off x="3241963" y="1854200"/>
+          <a:ext cx="6096000" cy="4064000"/>
+        </p:xfrm>
+        <a:graphic>
+          <a:graphicData uri="http://schemas.openxmlformats.org/drawingml/2006/chart">
+            <c:chart xmlns:c="http://schemas.openxmlformats.org/drawingml/2006/chart" xmlns:r="http://schemas.openxmlformats.org/officeDocument/2006/relationships" r:id="rId3"/>
+          </a:graphicData>
+        </a:graphic>
+      </p:graphicFrame>
     </p:spTree>
+    <p:extLst>
+      <p:ext uri="{BB962C8B-B14F-4D97-AF65-F5344CB8AC3E}">
+        <p14:creationId xmlns:p14="http://schemas.microsoft.com/office/powerpoint/2010/main" val="4020055584"/>
+      </p:ext>
+    </p:extLst>
   </p:cSld>
   <p:clrMapOvr>
     <a:masterClrMapping/>
   </p:clrMapOvr>
-  <p:timing>
-    <p:tnLst>
-      <p:par>
-        <p:cTn id="1" dur="indefinite" restart="never" nodeType="tmRoot">
-          <p:childTnLst>
-            <p:seq>
-              <p:cTn id="2" dur="indefinite" nodeType="mainSeq"/>
-              <p:prevCondLst>
-                <p:cond evt="onPrev" delay="0">
-                  <p:tgtEl>
-                    <p:sldTgt/>
-                  </p:tgtEl>
-                </p:cond>
-              </p:prevCondLst>
-              <p:nextCondLst>
-                <p:cond evt="onNext" delay="0">
-                  <p:tgtEl>
-                    <p:sldTgt/>
-                  </p:tgtEl>
-                </p:cond>
-              </p:nextCondLst>
-            </p:seq>
-          </p:childTnLst>
-        </p:cTn>
-      </p:par>
-    </p:tnLst>
-  </p:timing>
 </p:sld>
 </file>
 
@@ -18312,14 +20278,14 @@
       </p:grpSpPr>
       <p:sp>
         <p:nvSpPr>
-          <p:cNvPr id="298" name="TextShape 1"/>
-          <p:cNvSpPr txBox="1"/>
+          <p:cNvPr id="296" name="CustomShape 1"/>
+          <p:cNvSpPr/>
           <p:nvPr/>
         </p:nvSpPr>
         <p:spPr>
           <a:xfrm>
-            <a:off x="457200" y="273600"/>
-            <a:ext cx="8228880" cy="2067480"/>
+            <a:off x="3457080" y="159480"/>
+            <a:ext cx="2055600" cy="639000"/>
           </a:xfrm>
           <a:prstGeom prst="rect">
             <a:avLst/>
@@ -18329,34 +20295,36 @@
             <a:noFill/>
           </a:ln>
         </p:spPr>
-        <p:txBody>
-          <a:bodyPr lIns="0" tIns="0" rIns="0" bIns="0" anchor="ctr">
-            <a:normAutofit/>
-          </a:bodyPr>
-          <a:lstStyle/>
-          <a:p>
-            <a:pPr marL="228600" indent="-228240" algn="ctr">
+        <p:style>
+          <a:lnRef idx="0">
+            <a:scrgbClr r="0" g="0" b="0"/>
+          </a:lnRef>
+          <a:fillRef idx="0">
+            <a:scrgbClr r="0" g="0" b="0"/>
+          </a:fillRef>
+          <a:effectRef idx="0">
+            <a:scrgbClr r="0" g="0" b="0"/>
+          </a:effectRef>
+          <a:fontRef idx="minor"/>
+        </p:style>
+        <p:txBody>
+          <a:bodyPr lIns="90000" tIns="45000" rIns="90000" bIns="45000"/>
+          <a:lstStyle/>
+          <a:p>
+            <a:pPr algn="ctr">
               <a:lnSpc>
-                <a:spcPct val="90000"/>
+                <a:spcPct val="100000"/>
               </a:lnSpc>
-              <a:spcBef>
-                <a:spcPts val="1001"/>
-              </a:spcBef>
-              <a:buClr>
-                <a:srgbClr val="000000"/>
-              </a:buClr>
-              <a:buFont typeface="Arial"/>
-              <a:buChar char="•"/>
             </a:pPr>
             <a:r>
               <a:rPr lang="en-US" sz="3600" b="0" strike="noStrike" spc="-1">
                 <a:solidFill>
                   <a:srgbClr val="000000"/>
                 </a:solidFill>
-                <a:latin typeface="Arial"/>
+                <a:latin typeface="Times New Roman"/>
                 <a:ea typeface="DejaVu Sans"/>
               </a:rPr>
-              <a:t>Any Questions ?</a:t>
+              <a:t>Demo</a:t>
             </a:r>
             <a:endParaRPr lang="en-US" sz="3600" b="0" strike="noStrike" spc="-1">
               <a:latin typeface="Arial"/>
@@ -18364,6 +20332,29 @@
           </a:p>
         </p:txBody>
       </p:sp>
+      <p:pic>
+        <p:nvPicPr>
+          <p:cNvPr id="297" name="Picture 170"/>
+          <p:cNvPicPr/>
+          <p:nvPr/>
+        </p:nvPicPr>
+        <p:blipFill>
+          <a:blip r:embed="rId2"/>
+          <a:stretch/>
+        </p:blipFill>
+        <p:spPr>
+          <a:xfrm>
+            <a:off x="7589520" y="91800"/>
+            <a:ext cx="1553400" cy="1232280"/>
+          </a:xfrm>
+          <a:prstGeom prst="rect">
+            <a:avLst/>
+          </a:prstGeom>
+          <a:ln>
+            <a:noFill/>
+          </a:ln>
+        </p:spPr>
+      </p:pic>
     </p:spTree>
   </p:cSld>
   <p:clrMapOvr>
@@ -18418,86 +20409,14 @@
       </p:grpSpPr>
       <p:sp>
         <p:nvSpPr>
-          <p:cNvPr id="2" name="Title 1"/>
-          <p:cNvSpPr>
-            <a:spLocks noGrp="1"/>
-          </p:cNvSpPr>
-          <p:nvPr>
-            <p:ph type="title"/>
-          </p:nvPr>
-        </p:nvSpPr>
-        <p:spPr/>
-        <p:txBody>
-          <a:bodyPr/>
-          <a:lstStyle/>
-          <a:p>
-            <a:r>
-              <a:rPr lang="en-US" dirty="0" smtClean="0"/>
-              <a:t>Appendix</a:t>
-            </a:r>
-            <a:endParaRPr lang="en-US" dirty="0"/>
-          </a:p>
-        </p:txBody>
-      </p:sp>
-      <p:sp>
-        <p:nvSpPr>
-          <p:cNvPr id="3" name="Subtitle 2"/>
-          <p:cNvSpPr>
-            <a:spLocks noGrp="1"/>
-          </p:cNvSpPr>
-          <p:nvPr>
-            <p:ph type="subTitle"/>
-          </p:nvPr>
-        </p:nvSpPr>
-        <p:spPr/>
-        <p:txBody>
-          <a:bodyPr/>
-          <a:lstStyle/>
-          <a:p>
-            <a:endParaRPr lang="en-US"/>
-          </a:p>
-        </p:txBody>
-      </p:sp>
-    </p:spTree>
-    <p:extLst>
-      <p:ext uri="{BB962C8B-B14F-4D97-AF65-F5344CB8AC3E}">
-        <p14:creationId xmlns:p14="http://schemas.microsoft.com/office/powerpoint/2010/main" val="3875959638"/>
-      </p:ext>
-    </p:extLst>
-  </p:cSld>
-  <p:clrMapOvr>
-    <a:masterClrMapping/>
-  </p:clrMapOvr>
-</p:sld>
-</file>
-
-<file path=ppt/slides/slide9.xml><?xml version="1.0" encoding="utf-8"?>
-<p:sld xmlns:a="http://schemas.openxmlformats.org/drawingml/2006/main" xmlns:r="http://schemas.openxmlformats.org/officeDocument/2006/relationships" xmlns:p="http://schemas.openxmlformats.org/presentationml/2006/main">
-  <p:cSld>
-    <p:spTree>
-      <p:nvGrpSpPr>
-        <p:cNvPr id="1" name=""/>
-        <p:cNvGrpSpPr/>
-        <p:nvPr/>
-      </p:nvGrpSpPr>
-      <p:grpSpPr>
-        <a:xfrm>
-          <a:off x="0" y="0"/>
-          <a:ext cx="0" cy="0"/>
-          <a:chOff x="0" y="0"/>
-          <a:chExt cx="0" cy="0"/>
-        </a:xfrm>
-      </p:grpSpPr>
-      <p:sp>
-        <p:nvSpPr>
-          <p:cNvPr id="263" name="CustomShape 1"/>
-          <p:cNvSpPr/>
+          <p:cNvPr id="298" name="TextShape 1"/>
+          <p:cNvSpPr txBox="1"/>
           <p:nvPr/>
         </p:nvSpPr>
         <p:spPr>
           <a:xfrm>
-            <a:off x="1460160" y="304920"/>
-            <a:ext cx="5841000" cy="759960"/>
+            <a:off x="457200" y="273600"/>
+            <a:ext cx="8228880" cy="2067480"/>
           </a:xfrm>
           <a:prstGeom prst="rect">
             <a:avLst/>
@@ -18507,216 +20426,36 @@
             <a:noFill/>
           </a:ln>
         </p:spPr>
-        <p:style>
-          <a:lnRef idx="0">
-            <a:scrgbClr r="0" g="0" b="0"/>
-          </a:lnRef>
-          <a:fillRef idx="0">
-            <a:scrgbClr r="0" g="0" b="0"/>
-          </a:fillRef>
-          <a:effectRef idx="0">
-            <a:scrgbClr r="0" g="0" b="0"/>
-          </a:effectRef>
-          <a:fontRef idx="minor"/>
-        </p:style>
-        <p:txBody>
-          <a:bodyPr lIns="90000" tIns="45000" rIns="90000" bIns="45000"/>
-          <a:lstStyle/>
-          <a:p>
-            <a:pPr algn="ctr">
+        <p:txBody>
+          <a:bodyPr lIns="0" tIns="0" rIns="0" bIns="0" anchor="ctr">
+            <a:normAutofit/>
+          </a:bodyPr>
+          <a:lstStyle/>
+          <a:p>
+            <a:pPr marL="228600" indent="-228240" algn="ctr">
               <a:lnSpc>
-                <a:spcPct val="100000"/>
+                <a:spcPct val="90000"/>
               </a:lnSpc>
+              <a:spcBef>
+                <a:spcPts val="1001"/>
+              </a:spcBef>
+              <a:buClr>
+                <a:srgbClr val="000000"/>
+              </a:buClr>
+              <a:buFont typeface="Arial"/>
+              <a:buChar char="•"/>
             </a:pPr>
             <a:r>
-              <a:rPr lang="en-US" sz="4400" b="0" strike="noStrike" spc="-1">
-                <a:solidFill>
-                  <a:srgbClr val="000000"/>
-                </a:solidFill>
-                <a:latin typeface="Calibri"/>
-                <a:ea typeface="DejaVu Sans"/>
-              </a:rPr>
-              <a:t>System Architecture</a:t>
-            </a:r>
-            <a:endParaRPr lang="en-US" sz="4400" b="0" strike="noStrike" spc="-1">
-              <a:latin typeface="Arial"/>
-            </a:endParaRPr>
-          </a:p>
-        </p:txBody>
-      </p:sp>
-      <p:pic>
-        <p:nvPicPr>
-          <p:cNvPr id="264" name="Picture 170"/>
-          <p:cNvPicPr/>
-          <p:nvPr/>
-        </p:nvPicPr>
-        <p:blipFill>
-          <a:blip r:embed="rId2"/>
-          <a:stretch/>
-        </p:blipFill>
-        <p:spPr>
-          <a:xfrm>
-            <a:off x="7760880" y="92160"/>
-            <a:ext cx="1382400" cy="1096560"/>
-          </a:xfrm>
-          <a:prstGeom prst="rect">
-            <a:avLst/>
-          </a:prstGeom>
-          <a:ln>
-            <a:noFill/>
-          </a:ln>
-        </p:spPr>
-      </p:pic>
-      <p:pic>
-        <p:nvPicPr>
-          <p:cNvPr id="265" name="Picture 1"/>
-          <p:cNvPicPr/>
-          <p:nvPr/>
-        </p:nvPicPr>
-        <p:blipFill>
-          <a:blip r:embed="rId3"/>
-          <a:stretch/>
-        </p:blipFill>
-        <p:spPr>
-          <a:xfrm>
-            <a:off x="325080" y="1244520"/>
-            <a:ext cx="7838640" cy="5486040"/>
-          </a:xfrm>
-          <a:prstGeom prst="rect">
-            <a:avLst/>
-          </a:prstGeom>
-          <a:ln>
-            <a:noFill/>
-          </a:ln>
-        </p:spPr>
-      </p:pic>
-      <p:sp>
-        <p:nvSpPr>
-          <p:cNvPr id="266" name="CustomShape 2"/>
-          <p:cNvSpPr/>
-          <p:nvPr/>
-        </p:nvSpPr>
-        <p:spPr>
-          <a:xfrm>
-            <a:off x="5935680" y="1354320"/>
-            <a:ext cx="833040" cy="394920"/>
-          </a:xfrm>
-          <a:prstGeom prst="rect">
-            <a:avLst/>
-          </a:prstGeom>
-          <a:noFill/>
-          <a:ln>
-            <a:noFill/>
-          </a:ln>
-        </p:spPr>
-        <p:style>
-          <a:lnRef idx="0">
-            <a:scrgbClr r="0" g="0" b="0"/>
-          </a:lnRef>
-          <a:fillRef idx="0">
-            <a:scrgbClr r="0" g="0" b="0"/>
-          </a:fillRef>
-          <a:effectRef idx="0">
-            <a:scrgbClr r="0" g="0" b="0"/>
-          </a:effectRef>
-          <a:fontRef idx="minor"/>
-        </p:style>
-        <p:txBody>
-          <a:bodyPr lIns="90000" tIns="45000" rIns="90000" bIns="45000"/>
-          <a:lstStyle/>
-          <a:p>
-            <a:pPr>
-              <a:lnSpc>
-                <a:spcPct val="100000"/>
-              </a:lnSpc>
-            </a:pPr>
-            <a:r>
-              <a:rPr lang="en-US" sz="1000" b="0" strike="noStrike" spc="-1">
+              <a:rPr lang="en-US" sz="3600" b="0" strike="noStrike" spc="-1">
                 <a:solidFill>
                   <a:srgbClr val="000000"/>
                 </a:solidFill>
                 <a:latin typeface="Arial"/>
                 <a:ea typeface="DejaVu Sans"/>
               </a:rPr>
-              <a:t>Feature</a:t>
+              <a:t>Any Questions ?</a:t>
             </a:r>
-            <a:endParaRPr lang="en-US" sz="1000" b="0" strike="noStrike" spc="-1">
-              <a:latin typeface="Arial"/>
-            </a:endParaRPr>
-          </a:p>
-          <a:p>
-            <a:pPr>
-              <a:lnSpc>
-                <a:spcPct val="100000"/>
-              </a:lnSpc>
-            </a:pPr>
-            <a:r>
-              <a:rPr lang="en-US" sz="1000" b="0" strike="noStrike" spc="-1">
-                <a:solidFill>
-                  <a:srgbClr val="000000"/>
-                </a:solidFill>
-                <a:latin typeface="Arial"/>
-                <a:ea typeface="DejaVu Sans"/>
-              </a:rPr>
-              <a:t>Extraction</a:t>
-            </a:r>
-            <a:endParaRPr lang="en-US" sz="1000" b="0" strike="noStrike" spc="-1">
-              <a:latin typeface="Arial"/>
-            </a:endParaRPr>
-          </a:p>
-        </p:txBody>
-      </p:sp>
-      <p:sp>
-        <p:nvSpPr>
-          <p:cNvPr id="267" name="CustomShape 3"/>
-          <p:cNvSpPr/>
-          <p:nvPr/>
-        </p:nvSpPr>
-        <p:spPr>
-          <a:xfrm>
-            <a:off x="6769080" y="1354320"/>
-            <a:ext cx="964800" cy="242640"/>
-          </a:xfrm>
-          <a:prstGeom prst="rect">
-            <a:avLst/>
-          </a:prstGeom>
-          <a:noFill/>
-          <a:ln>
-            <a:noFill/>
-          </a:ln>
-        </p:spPr>
-        <p:style>
-          <a:lnRef idx="0">
-            <a:scrgbClr r="0" g="0" b="0"/>
-          </a:lnRef>
-          <a:fillRef idx="0">
-            <a:scrgbClr r="0" g="0" b="0"/>
-          </a:fillRef>
-          <a:effectRef idx="0">
-            <a:scrgbClr r="0" g="0" b="0"/>
-          </a:effectRef>
-          <a:fontRef idx="minor"/>
-        </p:style>
-        <p:txBody>
-          <a:bodyPr lIns="90000" tIns="45000" rIns="90000" bIns="45000"/>
-          <a:lstStyle/>
-          <a:p>
-            <a:pPr>
-              <a:lnSpc>
-                <a:spcPct val="100000"/>
-              </a:lnSpc>
-            </a:pPr>
-            <a:r>
-              <a:rPr lang="en-US" sz="1000" b="0" strike="noStrike" spc="-1">
-                <a:solidFill>
-                  <a:srgbClr val="000000"/>
-                </a:solidFill>
-                <a:latin typeface="Arial"/>
-                <a:ea typeface="DejaVu Sans"/>
-              </a:rPr>
-              <a:t>Classifiers</a:t>
-            </a:r>
-            <a:endParaRPr lang="en-US" sz="1000" b="0" strike="noStrike" spc="-1">
+            <a:endParaRPr lang="en-US" sz="3600" b="0" strike="noStrike" spc="-1">
               <a:latin typeface="Arial"/>
             </a:endParaRPr>
           </a:p>
@@ -18754,6 +20493,78 @@
       </p:par>
     </p:tnLst>
   </p:timing>
+</p:sld>
+</file>
+
+<file path=ppt/slides/slide9.xml><?xml version="1.0" encoding="utf-8"?>
+<p:sld xmlns:a="http://schemas.openxmlformats.org/drawingml/2006/main" xmlns:r="http://schemas.openxmlformats.org/officeDocument/2006/relationships" xmlns:p="http://schemas.openxmlformats.org/presentationml/2006/main">
+  <p:cSld>
+    <p:spTree>
+      <p:nvGrpSpPr>
+        <p:cNvPr id="1" name=""/>
+        <p:cNvGrpSpPr/>
+        <p:nvPr/>
+      </p:nvGrpSpPr>
+      <p:grpSpPr>
+        <a:xfrm>
+          <a:off x="0" y="0"/>
+          <a:ext cx="0" cy="0"/>
+          <a:chOff x="0" y="0"/>
+          <a:chExt cx="0" cy="0"/>
+        </a:xfrm>
+      </p:grpSpPr>
+      <p:sp>
+        <p:nvSpPr>
+          <p:cNvPr id="2" name="Title 1"/>
+          <p:cNvSpPr>
+            <a:spLocks noGrp="1"/>
+          </p:cNvSpPr>
+          <p:nvPr>
+            <p:ph type="title"/>
+          </p:nvPr>
+        </p:nvSpPr>
+        <p:spPr/>
+        <p:txBody>
+          <a:bodyPr/>
+          <a:lstStyle/>
+          <a:p>
+            <a:r>
+              <a:rPr lang="en-US" dirty="0" smtClean="0"/>
+              <a:t>Appendix</a:t>
+            </a:r>
+            <a:endParaRPr lang="en-US" dirty="0"/>
+          </a:p>
+        </p:txBody>
+      </p:sp>
+      <p:sp>
+        <p:nvSpPr>
+          <p:cNvPr id="3" name="Subtitle 2"/>
+          <p:cNvSpPr>
+            <a:spLocks noGrp="1"/>
+          </p:cNvSpPr>
+          <p:nvPr>
+            <p:ph type="subTitle"/>
+          </p:nvPr>
+        </p:nvSpPr>
+        <p:spPr/>
+        <p:txBody>
+          <a:bodyPr/>
+          <a:lstStyle/>
+          <a:p>
+            <a:endParaRPr lang="en-US"/>
+          </a:p>
+        </p:txBody>
+      </p:sp>
+    </p:spTree>
+    <p:extLst>
+      <p:ext uri="{BB962C8B-B14F-4D97-AF65-F5344CB8AC3E}">
+        <p14:creationId xmlns:p14="http://schemas.microsoft.com/office/powerpoint/2010/main" val="3875959638"/>
+      </p:ext>
+    </p:extLst>
+  </p:cSld>
+  <p:clrMapOvr>
+    <a:masterClrMapping/>
+  </p:clrMapOvr>
 </p:sld>
 </file>
 

--- a/Seminar.pptx
+++ b/Seminar.pptx
@@ -9,6 +9,12 @@
     <p:sldMasterId id="2147483700" r:id="rId5"/>
     <p:sldMasterId id="2147483713" r:id="rId6"/>
   </p:sldMasterIdLst>
+  <p:notesMasterIdLst>
+    <p:notesMasterId r:id="rId26"/>
+  </p:notesMasterIdLst>
+  <p:handoutMasterIdLst>
+    <p:handoutMasterId r:id="rId27"/>
+  </p:handoutMasterIdLst>
   <p:sldIdLst>
     <p:sldId id="256" r:id="rId7"/>
     <p:sldId id="257" r:id="rId8"/>
@@ -129,7 +135,7 @@
   </p:defaultTextStyle>
   <p:extLst>
     <p:ext uri="{EFAFB233-063F-42B5-8137-9DF3F51BA10A}">
-      <p15:sldGuideLst xmlns:p15="http://schemas.microsoft.com/office/powerpoint/2012/main"/>
+      <p15:sldGuideLst xmlns:p15="http://schemas.microsoft.com/office/powerpoint/2012/main" xmlns=""/>
     </p:ext>
   </p:extLst>
 </p:presentation>
@@ -189,26 +195,6 @@
         </a:ln>
         <a:effectLst/>
       </c:spPr>
-      <c:txPr>
-        <a:bodyPr rot="0" spcFirstLastPara="1" vertOverflow="ellipsis" vert="horz" wrap="square" anchor="ctr" anchorCtr="1"/>
-        <a:lstStyle/>
-        <a:p>
-          <a:pPr>
-            <a:defRPr sz="1862" b="0" i="0" u="none" strike="noStrike" kern="1200" spc="0" baseline="0">
-              <a:solidFill>
-                <a:schemeClr val="tx1">
-                  <a:lumMod val="65000"/>
-                  <a:lumOff val="35000"/>
-                </a:schemeClr>
-              </a:solidFill>
-              <a:latin typeface="+mn-lt"/>
-              <a:ea typeface="+mn-ea"/>
-              <a:cs typeface="+mn-cs"/>
-            </a:defRPr>
-          </a:pPr>
-          <a:endParaRPr lang="en-US"/>
-        </a:p>
-      </c:txPr>
     </c:title>
     <c:autoTitleDeleted val="0"/>
     <c:plotArea>
@@ -361,7 +347,7 @@
       <a:endParaRPr lang="en-US"/>
     </a:p>
   </c:txPr>
-  <c:externalData r:id="rId3">
+  <c:externalData r:id="rId1">
     <c:autoUpdate val="0"/>
   </c:externalData>
 </c:chartSpace>
@@ -421,26 +407,6 @@
         </a:ln>
         <a:effectLst/>
       </c:spPr>
-      <c:txPr>
-        <a:bodyPr rot="0" spcFirstLastPara="1" vertOverflow="ellipsis" vert="horz" wrap="square" anchor="ctr" anchorCtr="1"/>
-        <a:lstStyle/>
-        <a:p>
-          <a:pPr>
-            <a:defRPr sz="1862" b="0" i="0" u="none" strike="noStrike" kern="1200" spc="0" baseline="0">
-              <a:solidFill>
-                <a:schemeClr val="tx1">
-                  <a:lumMod val="65000"/>
-                  <a:lumOff val="35000"/>
-                </a:schemeClr>
-              </a:solidFill>
-              <a:latin typeface="+mn-lt"/>
-              <a:ea typeface="+mn-ea"/>
-              <a:cs typeface="+mn-cs"/>
-            </a:defRPr>
-          </a:pPr>
-          <a:endParaRPr lang="en-US"/>
-        </a:p>
-      </c:txPr>
     </c:title>
     <c:autoTitleDeleted val="0"/>
     <c:plotArea>
@@ -602,7 +568,7 @@
       <a:endParaRPr lang="en-US"/>
     </a:p>
   </c:txPr>
-  <c:externalData r:id="rId3">
+  <c:externalData r:id="rId1">
     <c:autoUpdate val="0"/>
   </c:externalData>
 </c:chartSpace>
@@ -1726,6 +1692,607 @@
 </cs:chartStyle>
 </file>
 
+<file path=ppt/handoutMasters/handoutMaster1.xml><?xml version="1.0" encoding="utf-8"?>
+<p:handoutMaster xmlns:a="http://schemas.openxmlformats.org/drawingml/2006/main" xmlns:r="http://schemas.openxmlformats.org/officeDocument/2006/relationships" xmlns:p="http://schemas.openxmlformats.org/presentationml/2006/main">
+  <p:cSld>
+    <p:bg>
+      <p:bgRef idx="1001">
+        <a:schemeClr val="bg1"/>
+      </p:bgRef>
+    </p:bg>
+    <p:spTree>
+      <p:nvGrpSpPr>
+        <p:cNvPr id="1" name=""/>
+        <p:cNvGrpSpPr/>
+        <p:nvPr/>
+      </p:nvGrpSpPr>
+      <p:grpSpPr>
+        <a:xfrm>
+          <a:off x="0" y="0"/>
+          <a:ext cx="0" cy="0"/>
+          <a:chOff x="0" y="0"/>
+          <a:chExt cx="0" cy="0"/>
+        </a:xfrm>
+      </p:grpSpPr>
+      <p:sp>
+        <p:nvSpPr>
+          <p:cNvPr id="2" name="Header Placeholder 1"/>
+          <p:cNvSpPr>
+            <a:spLocks noGrp="1"/>
+          </p:cNvSpPr>
+          <p:nvPr>
+            <p:ph type="hdr" sz="quarter"/>
+          </p:nvPr>
+        </p:nvSpPr>
+        <p:spPr>
+          <a:xfrm>
+            <a:off x="0" y="0"/>
+            <a:ext cx="3368675" cy="503238"/>
+          </a:xfrm>
+          <a:prstGeom prst="rect">
+            <a:avLst/>
+          </a:prstGeom>
+        </p:spPr>
+        <p:txBody>
+          <a:bodyPr vert="horz" lIns="91440" tIns="45720" rIns="91440" bIns="45720" rtlCol="0"/>
+          <a:lstStyle>
+            <a:lvl1pPr algn="l">
+              <a:defRPr sz="1200"/>
+            </a:lvl1pPr>
+          </a:lstStyle>
+          <a:p>
+            <a:endParaRPr lang="en-US"/>
+          </a:p>
+        </p:txBody>
+      </p:sp>
+      <p:sp>
+        <p:nvSpPr>
+          <p:cNvPr id="3" name="Date Placeholder 2"/>
+          <p:cNvSpPr>
+            <a:spLocks noGrp="1"/>
+          </p:cNvSpPr>
+          <p:nvPr>
+            <p:ph type="dt" sz="quarter" idx="1"/>
+          </p:nvPr>
+        </p:nvSpPr>
+        <p:spPr>
+          <a:xfrm>
+            <a:off x="4402138" y="0"/>
+            <a:ext cx="3368675" cy="503238"/>
+          </a:xfrm>
+          <a:prstGeom prst="rect">
+            <a:avLst/>
+          </a:prstGeom>
+        </p:spPr>
+        <p:txBody>
+          <a:bodyPr vert="horz" lIns="91440" tIns="45720" rIns="91440" bIns="45720" rtlCol="0"/>
+          <a:lstStyle>
+            <a:lvl1pPr algn="r">
+              <a:defRPr sz="1200"/>
+            </a:lvl1pPr>
+          </a:lstStyle>
+          <a:p>
+            <a:fld id="{39CD20B6-00E0-4394-8EBC-2A4E116D7AB9}" type="datetimeFigureOut">
+              <a:rPr lang="en-US" smtClean="0"/>
+              <a:t>04-Feb-19</a:t>
+            </a:fld>
+            <a:endParaRPr lang="en-US"/>
+          </a:p>
+        </p:txBody>
+      </p:sp>
+      <p:sp>
+        <p:nvSpPr>
+          <p:cNvPr id="4" name="Footer Placeholder 3"/>
+          <p:cNvSpPr>
+            <a:spLocks noGrp="1"/>
+          </p:cNvSpPr>
+          <p:nvPr>
+            <p:ph type="ftr" sz="quarter" idx="2"/>
+          </p:nvPr>
+        </p:nvSpPr>
+        <p:spPr>
+          <a:xfrm>
+            <a:off x="0" y="9553575"/>
+            <a:ext cx="3368675" cy="503238"/>
+          </a:xfrm>
+          <a:prstGeom prst="rect">
+            <a:avLst/>
+          </a:prstGeom>
+        </p:spPr>
+        <p:txBody>
+          <a:bodyPr vert="horz" lIns="91440" tIns="45720" rIns="91440" bIns="45720" rtlCol="0" anchor="b"/>
+          <a:lstStyle>
+            <a:lvl1pPr algn="l">
+              <a:defRPr sz="1200"/>
+            </a:lvl1pPr>
+          </a:lstStyle>
+          <a:p>
+            <a:endParaRPr lang="en-US"/>
+          </a:p>
+        </p:txBody>
+      </p:sp>
+      <p:sp>
+        <p:nvSpPr>
+          <p:cNvPr id="5" name="Slide Number Placeholder 4"/>
+          <p:cNvSpPr>
+            <a:spLocks noGrp="1"/>
+          </p:cNvSpPr>
+          <p:nvPr>
+            <p:ph type="sldNum" sz="quarter" idx="3"/>
+          </p:nvPr>
+        </p:nvSpPr>
+        <p:spPr>
+          <a:xfrm>
+            <a:off x="4402138" y="9553575"/>
+            <a:ext cx="3368675" cy="503238"/>
+          </a:xfrm>
+          <a:prstGeom prst="rect">
+            <a:avLst/>
+          </a:prstGeom>
+        </p:spPr>
+        <p:txBody>
+          <a:bodyPr vert="horz" lIns="91440" tIns="45720" rIns="91440" bIns="45720" rtlCol="0" anchor="b"/>
+          <a:lstStyle>
+            <a:lvl1pPr algn="r">
+              <a:defRPr sz="1200"/>
+            </a:lvl1pPr>
+          </a:lstStyle>
+          <a:p>
+            <a:fld id="{85ECF121-C3A5-4E05-9FF4-63927C0FD827}" type="slidenum">
+              <a:rPr lang="en-US" smtClean="0"/>
+              <a:t>‹#›</a:t>
+            </a:fld>
+            <a:endParaRPr lang="en-US"/>
+          </a:p>
+        </p:txBody>
+      </p:sp>
+    </p:spTree>
+    <p:extLst>
+      <p:ext uri="{BB962C8B-B14F-4D97-AF65-F5344CB8AC3E}">
+        <p14:creationId xmlns:p14="http://schemas.microsoft.com/office/powerpoint/2010/main" val="4090419963"/>
+      </p:ext>
+    </p:extLst>
+  </p:cSld>
+  <p:clrMap bg1="lt1" tx1="dk1" bg2="lt2" tx2="dk2" accent1="accent1" accent2="accent2" accent3="accent3" accent4="accent4" accent5="accent5" accent6="accent6" hlink="hlink" folHlink="folHlink"/>
+  <p:hf hdr="0" ftr="0" dt="0"/>
+</p:handoutMaster>
+</file>
+
+<file path=ppt/notesMasters/notesMaster1.xml><?xml version="1.0" encoding="utf-8"?>
+<p:notesMaster xmlns:a="http://schemas.openxmlformats.org/drawingml/2006/main" xmlns:r="http://schemas.openxmlformats.org/officeDocument/2006/relationships" xmlns:p="http://schemas.openxmlformats.org/presentationml/2006/main">
+  <p:cSld>
+    <p:bg>
+      <p:bgRef idx="1001">
+        <a:schemeClr val="bg1"/>
+      </p:bgRef>
+    </p:bg>
+    <p:spTree>
+      <p:nvGrpSpPr>
+        <p:cNvPr id="1" name=""/>
+        <p:cNvGrpSpPr/>
+        <p:nvPr/>
+      </p:nvGrpSpPr>
+      <p:grpSpPr>
+        <a:xfrm>
+          <a:off x="0" y="0"/>
+          <a:ext cx="0" cy="0"/>
+          <a:chOff x="0" y="0"/>
+          <a:chExt cx="0" cy="0"/>
+        </a:xfrm>
+      </p:grpSpPr>
+      <p:sp>
+        <p:nvSpPr>
+          <p:cNvPr id="2" name="Header Placeholder 1"/>
+          <p:cNvSpPr>
+            <a:spLocks noGrp="1"/>
+          </p:cNvSpPr>
+          <p:nvPr>
+            <p:ph type="hdr" sz="quarter"/>
+          </p:nvPr>
+        </p:nvSpPr>
+        <p:spPr>
+          <a:xfrm>
+            <a:off x="0" y="0"/>
+            <a:ext cx="3368675" cy="503238"/>
+          </a:xfrm>
+          <a:prstGeom prst="rect">
+            <a:avLst/>
+          </a:prstGeom>
+        </p:spPr>
+        <p:txBody>
+          <a:bodyPr vert="horz" lIns="91440" tIns="45720" rIns="91440" bIns="45720" rtlCol="0"/>
+          <a:lstStyle>
+            <a:lvl1pPr algn="l">
+              <a:defRPr sz="1200"/>
+            </a:lvl1pPr>
+          </a:lstStyle>
+          <a:p>
+            <a:endParaRPr lang="en-US"/>
+          </a:p>
+        </p:txBody>
+      </p:sp>
+      <p:sp>
+        <p:nvSpPr>
+          <p:cNvPr id="3" name="Date Placeholder 2"/>
+          <p:cNvSpPr>
+            <a:spLocks noGrp="1"/>
+          </p:cNvSpPr>
+          <p:nvPr>
+            <p:ph type="dt" idx="1"/>
+          </p:nvPr>
+        </p:nvSpPr>
+        <p:spPr>
+          <a:xfrm>
+            <a:off x="4402138" y="0"/>
+            <a:ext cx="3368675" cy="503238"/>
+          </a:xfrm>
+          <a:prstGeom prst="rect">
+            <a:avLst/>
+          </a:prstGeom>
+        </p:spPr>
+        <p:txBody>
+          <a:bodyPr vert="horz" lIns="91440" tIns="45720" rIns="91440" bIns="45720" rtlCol="0"/>
+          <a:lstStyle>
+            <a:lvl1pPr algn="r">
+              <a:defRPr sz="1200"/>
+            </a:lvl1pPr>
+          </a:lstStyle>
+          <a:p>
+            <a:fld id="{4BDD2A5F-8DA2-4550-9EBA-757A4FF4A223}" type="datetimeFigureOut">
+              <a:rPr lang="en-US" smtClean="0"/>
+              <a:t>04-Feb-19</a:t>
+            </a:fld>
+            <a:endParaRPr lang="en-US"/>
+          </a:p>
+        </p:txBody>
+      </p:sp>
+      <p:sp>
+        <p:nvSpPr>
+          <p:cNvPr id="4" name="Slide Image Placeholder 3"/>
+          <p:cNvSpPr>
+            <a:spLocks noGrp="1" noRot="1" noChangeAspect="1"/>
+          </p:cNvSpPr>
+          <p:nvPr>
+            <p:ph type="sldImg" idx="2"/>
+          </p:nvPr>
+        </p:nvSpPr>
+        <p:spPr>
+          <a:xfrm>
+            <a:off x="1371600" y="754063"/>
+            <a:ext cx="5029200" cy="3771900"/>
+          </a:xfrm>
+          <a:prstGeom prst="rect">
+            <a:avLst/>
+          </a:prstGeom>
+          <a:noFill/>
+          <a:ln w="12700">
+            <a:solidFill>
+              <a:prstClr val="black"/>
+            </a:solidFill>
+          </a:ln>
+        </p:spPr>
+        <p:txBody>
+          <a:bodyPr vert="horz" lIns="91440" tIns="45720" rIns="91440" bIns="45720" rtlCol="0" anchor="ctr"/>
+          <a:lstStyle/>
+          <a:p>
+            <a:endParaRPr lang="en-US"/>
+          </a:p>
+        </p:txBody>
+      </p:sp>
+      <p:sp>
+        <p:nvSpPr>
+          <p:cNvPr id="5" name="Notes Placeholder 4"/>
+          <p:cNvSpPr>
+            <a:spLocks noGrp="1"/>
+          </p:cNvSpPr>
+          <p:nvPr>
+            <p:ph type="body" sz="quarter" idx="3"/>
+          </p:nvPr>
+        </p:nvSpPr>
+        <p:spPr>
+          <a:xfrm>
+            <a:off x="777875" y="4778375"/>
+            <a:ext cx="6216650" cy="4525963"/>
+          </a:xfrm>
+          <a:prstGeom prst="rect">
+            <a:avLst/>
+          </a:prstGeom>
+        </p:spPr>
+        <p:txBody>
+          <a:bodyPr vert="horz" lIns="91440" tIns="45720" rIns="91440" bIns="45720" rtlCol="0"/>
+          <a:lstStyle/>
+          <a:p>
+            <a:pPr lvl="0"/>
+            <a:r>
+              <a:rPr lang="en-US" smtClean="0"/>
+              <a:t>Click to edit Master text styles</a:t>
+            </a:r>
+          </a:p>
+          <a:p>
+            <a:pPr lvl="1"/>
+            <a:r>
+              <a:rPr lang="en-US" smtClean="0"/>
+              <a:t>Second level</a:t>
+            </a:r>
+          </a:p>
+          <a:p>
+            <a:pPr lvl="2"/>
+            <a:r>
+              <a:rPr lang="en-US" smtClean="0"/>
+              <a:t>Third level</a:t>
+            </a:r>
+          </a:p>
+          <a:p>
+            <a:pPr lvl="3"/>
+            <a:r>
+              <a:rPr lang="en-US" smtClean="0"/>
+              <a:t>Fourth level</a:t>
+            </a:r>
+          </a:p>
+          <a:p>
+            <a:pPr lvl="4"/>
+            <a:r>
+              <a:rPr lang="en-US" smtClean="0"/>
+              <a:t>Fifth level</a:t>
+            </a:r>
+            <a:endParaRPr lang="en-US"/>
+          </a:p>
+        </p:txBody>
+      </p:sp>
+      <p:sp>
+        <p:nvSpPr>
+          <p:cNvPr id="6" name="Footer Placeholder 5"/>
+          <p:cNvSpPr>
+            <a:spLocks noGrp="1"/>
+          </p:cNvSpPr>
+          <p:nvPr>
+            <p:ph type="ftr" sz="quarter" idx="4"/>
+          </p:nvPr>
+        </p:nvSpPr>
+        <p:spPr>
+          <a:xfrm>
+            <a:off x="0" y="9553575"/>
+            <a:ext cx="3368675" cy="503238"/>
+          </a:xfrm>
+          <a:prstGeom prst="rect">
+            <a:avLst/>
+          </a:prstGeom>
+        </p:spPr>
+        <p:txBody>
+          <a:bodyPr vert="horz" lIns="91440" tIns="45720" rIns="91440" bIns="45720" rtlCol="0" anchor="b"/>
+          <a:lstStyle>
+            <a:lvl1pPr algn="l">
+              <a:defRPr sz="1200"/>
+            </a:lvl1pPr>
+          </a:lstStyle>
+          <a:p>
+            <a:endParaRPr lang="en-US"/>
+          </a:p>
+        </p:txBody>
+      </p:sp>
+      <p:sp>
+        <p:nvSpPr>
+          <p:cNvPr id="7" name="Slide Number Placeholder 6"/>
+          <p:cNvSpPr>
+            <a:spLocks noGrp="1"/>
+          </p:cNvSpPr>
+          <p:nvPr>
+            <p:ph type="sldNum" sz="quarter" idx="5"/>
+          </p:nvPr>
+        </p:nvSpPr>
+        <p:spPr>
+          <a:xfrm>
+            <a:off x="4402138" y="9553575"/>
+            <a:ext cx="3368675" cy="503238"/>
+          </a:xfrm>
+          <a:prstGeom prst="rect">
+            <a:avLst/>
+          </a:prstGeom>
+        </p:spPr>
+        <p:txBody>
+          <a:bodyPr vert="horz" lIns="91440" tIns="45720" rIns="91440" bIns="45720" rtlCol="0" anchor="b"/>
+          <a:lstStyle>
+            <a:lvl1pPr algn="r">
+              <a:defRPr sz="1200"/>
+            </a:lvl1pPr>
+          </a:lstStyle>
+          <a:p>
+            <a:fld id="{9D52948E-1995-4CE2-B5FA-F25F5E7F8F29}" type="slidenum">
+              <a:rPr lang="en-US" smtClean="0"/>
+              <a:t>‹#›</a:t>
+            </a:fld>
+            <a:endParaRPr lang="en-US"/>
+          </a:p>
+        </p:txBody>
+      </p:sp>
+    </p:spTree>
+    <p:extLst>
+      <p:ext uri="{BB962C8B-B14F-4D97-AF65-F5344CB8AC3E}">
+        <p14:creationId xmlns:p14="http://schemas.microsoft.com/office/powerpoint/2010/main" val="531476695"/>
+      </p:ext>
+    </p:extLst>
+  </p:cSld>
+  <p:clrMap bg1="lt1" tx1="dk1" bg2="lt2" tx2="dk2" accent1="accent1" accent2="accent2" accent3="accent3" accent4="accent4" accent5="accent5" accent6="accent6" hlink="hlink" folHlink="folHlink"/>
+  <p:hf hdr="0" ftr="0" dt="0"/>
+  <p:notesStyle>
+    <a:lvl1pPr marL="0" algn="l" defTabSz="914400" rtl="0" eaLnBrk="1" latinLnBrk="0" hangingPunct="1">
+      <a:defRPr sz="1200" kern="1200">
+        <a:solidFill>
+          <a:schemeClr val="tx1"/>
+        </a:solidFill>
+        <a:latin typeface="+mn-lt"/>
+        <a:ea typeface="+mn-ea"/>
+        <a:cs typeface="+mn-cs"/>
+      </a:defRPr>
+    </a:lvl1pPr>
+    <a:lvl2pPr marL="457200" algn="l" defTabSz="914400" rtl="0" eaLnBrk="1" latinLnBrk="0" hangingPunct="1">
+      <a:defRPr sz="1200" kern="1200">
+        <a:solidFill>
+          <a:schemeClr val="tx1"/>
+        </a:solidFill>
+        <a:latin typeface="+mn-lt"/>
+        <a:ea typeface="+mn-ea"/>
+        <a:cs typeface="+mn-cs"/>
+      </a:defRPr>
+    </a:lvl2pPr>
+    <a:lvl3pPr marL="914400" algn="l" defTabSz="914400" rtl="0" eaLnBrk="1" latinLnBrk="0" hangingPunct="1">
+      <a:defRPr sz="1200" kern="1200">
+        <a:solidFill>
+          <a:schemeClr val="tx1"/>
+        </a:solidFill>
+        <a:latin typeface="+mn-lt"/>
+        <a:ea typeface="+mn-ea"/>
+        <a:cs typeface="+mn-cs"/>
+      </a:defRPr>
+    </a:lvl3pPr>
+    <a:lvl4pPr marL="1371600" algn="l" defTabSz="914400" rtl="0" eaLnBrk="1" latinLnBrk="0" hangingPunct="1">
+      <a:defRPr sz="1200" kern="1200">
+        <a:solidFill>
+          <a:schemeClr val="tx1"/>
+        </a:solidFill>
+        <a:latin typeface="+mn-lt"/>
+        <a:ea typeface="+mn-ea"/>
+        <a:cs typeface="+mn-cs"/>
+      </a:defRPr>
+    </a:lvl4pPr>
+    <a:lvl5pPr marL="1828800" algn="l" defTabSz="914400" rtl="0" eaLnBrk="1" latinLnBrk="0" hangingPunct="1">
+      <a:defRPr sz="1200" kern="1200">
+        <a:solidFill>
+          <a:schemeClr val="tx1"/>
+        </a:solidFill>
+        <a:latin typeface="+mn-lt"/>
+        <a:ea typeface="+mn-ea"/>
+        <a:cs typeface="+mn-cs"/>
+      </a:defRPr>
+    </a:lvl5pPr>
+    <a:lvl6pPr marL="2286000" algn="l" defTabSz="914400" rtl="0" eaLnBrk="1" latinLnBrk="0" hangingPunct="1">
+      <a:defRPr sz="1200" kern="1200">
+        <a:solidFill>
+          <a:schemeClr val="tx1"/>
+        </a:solidFill>
+        <a:latin typeface="+mn-lt"/>
+        <a:ea typeface="+mn-ea"/>
+        <a:cs typeface="+mn-cs"/>
+      </a:defRPr>
+    </a:lvl6pPr>
+    <a:lvl7pPr marL="2743200" algn="l" defTabSz="914400" rtl="0" eaLnBrk="1" latinLnBrk="0" hangingPunct="1">
+      <a:defRPr sz="1200" kern="1200">
+        <a:solidFill>
+          <a:schemeClr val="tx1"/>
+        </a:solidFill>
+        <a:latin typeface="+mn-lt"/>
+        <a:ea typeface="+mn-ea"/>
+        <a:cs typeface="+mn-cs"/>
+      </a:defRPr>
+    </a:lvl7pPr>
+    <a:lvl8pPr marL="3200400" algn="l" defTabSz="914400" rtl="0" eaLnBrk="1" latinLnBrk="0" hangingPunct="1">
+      <a:defRPr sz="1200" kern="1200">
+        <a:solidFill>
+          <a:schemeClr val="tx1"/>
+        </a:solidFill>
+        <a:latin typeface="+mn-lt"/>
+        <a:ea typeface="+mn-ea"/>
+        <a:cs typeface="+mn-cs"/>
+      </a:defRPr>
+    </a:lvl8pPr>
+    <a:lvl9pPr marL="3657600" algn="l" defTabSz="914400" rtl="0" eaLnBrk="1" latinLnBrk="0" hangingPunct="1">
+      <a:defRPr sz="1200" kern="1200">
+        <a:solidFill>
+          <a:schemeClr val="tx1"/>
+        </a:solidFill>
+        <a:latin typeface="+mn-lt"/>
+        <a:ea typeface="+mn-ea"/>
+        <a:cs typeface="+mn-cs"/>
+      </a:defRPr>
+    </a:lvl9pPr>
+  </p:notesStyle>
+</p:notesMaster>
+</file>
+
+<file path=ppt/notesSlides/notesSlide1.xml><?xml version="1.0" encoding="utf-8"?>
+<p:notes xmlns:a="http://schemas.openxmlformats.org/drawingml/2006/main" xmlns:r="http://schemas.openxmlformats.org/officeDocument/2006/relationships" xmlns:p="http://schemas.openxmlformats.org/presentationml/2006/main">
+  <p:cSld>
+    <p:spTree>
+      <p:nvGrpSpPr>
+        <p:cNvPr id="1" name=""/>
+        <p:cNvGrpSpPr/>
+        <p:nvPr/>
+      </p:nvGrpSpPr>
+      <p:grpSpPr>
+        <a:xfrm>
+          <a:off x="0" y="0"/>
+          <a:ext cx="0" cy="0"/>
+          <a:chOff x="0" y="0"/>
+          <a:chExt cx="0" cy="0"/>
+        </a:xfrm>
+      </p:grpSpPr>
+      <p:sp>
+        <p:nvSpPr>
+          <p:cNvPr id="2" name="Slide Image Placeholder 1"/>
+          <p:cNvSpPr>
+            <a:spLocks noGrp="1" noRot="1" noChangeAspect="1"/>
+          </p:cNvSpPr>
+          <p:nvPr>
+            <p:ph type="sldImg"/>
+          </p:nvPr>
+        </p:nvSpPr>
+        <p:spPr/>
+      </p:sp>
+      <p:sp>
+        <p:nvSpPr>
+          <p:cNvPr id="3" name="Notes Placeholder 2"/>
+          <p:cNvSpPr>
+            <a:spLocks noGrp="1"/>
+          </p:cNvSpPr>
+          <p:nvPr>
+            <p:ph type="body" idx="1"/>
+          </p:nvPr>
+        </p:nvSpPr>
+        <p:spPr/>
+        <p:txBody>
+          <a:bodyPr/>
+          <a:lstStyle/>
+          <a:p>
+            <a:endParaRPr lang="en-US"/>
+          </a:p>
+        </p:txBody>
+      </p:sp>
+      <p:sp>
+        <p:nvSpPr>
+          <p:cNvPr id="4" name="Slide Number Placeholder 3"/>
+          <p:cNvSpPr>
+            <a:spLocks noGrp="1"/>
+          </p:cNvSpPr>
+          <p:nvPr>
+            <p:ph type="sldNum" sz="quarter" idx="10"/>
+          </p:nvPr>
+        </p:nvSpPr>
+        <p:spPr/>
+        <p:txBody>
+          <a:bodyPr/>
+          <a:lstStyle/>
+          <a:p>
+            <a:fld id="{9D52948E-1995-4CE2-B5FA-F25F5E7F8F29}" type="slidenum">
+              <a:rPr lang="en-US" smtClean="0"/>
+              <a:t>2</a:t>
+            </a:fld>
+            <a:endParaRPr lang="en-US"/>
+          </a:p>
+        </p:txBody>
+      </p:sp>
+    </p:spTree>
+    <p:extLst>
+      <p:ext uri="{BB962C8B-B14F-4D97-AF65-F5344CB8AC3E}">
+        <p14:creationId xmlns:p14="http://schemas.microsoft.com/office/powerpoint/2010/main" val="2834134400"/>
+      </p:ext>
+    </p:extLst>
+  </p:cSld>
+  <p:clrMapOvr>
+    <a:masterClrMapping/>
+  </p:clrMapOvr>
+</p:notes>
+</file>
+
 <file path=ppt/slideLayouts/slideLayout1.xml><?xml version="1.0" encoding="utf-8"?>
 <p:sldLayout xmlns:a="http://schemas.openxmlformats.org/drawingml/2006/main" xmlns:r="http://schemas.openxmlformats.org/officeDocument/2006/relationships" xmlns:p="http://schemas.openxmlformats.org/presentationml/2006/main" type="blank" preserve="1">
   <p:cSld name="Blank Slide">
@@ -10959,6 +11526,7 @@
     <p:sldLayoutId id="2147483659" r:id="rId11"/>
     <p:sldLayoutId id="2147483660" r:id="rId12"/>
   </p:sldLayoutIdLst>
+  <p:hf hdr="0" ftr="0" dt="0"/>
   <p:txStyles>
     <p:titleStyle>
       <a:lvl1pPr algn="l" defTabSz="914400" rtl="0" eaLnBrk="1" latinLnBrk="0" hangingPunct="1">
@@ -11499,6 +12067,7 @@
     <p:sldLayoutId id="2147483672" r:id="rId11"/>
     <p:sldLayoutId id="2147483673" r:id="rId12"/>
   </p:sldLayoutIdLst>
+  <p:hf hdr="0" ftr="0" dt="0"/>
   <p:txStyles>
     <p:titleStyle>
       <a:lvl1pPr algn="l" defTabSz="914400" rtl="0" eaLnBrk="1" latinLnBrk="0" hangingPunct="1">
@@ -12039,6 +12608,7 @@
     <p:sldLayoutId id="2147483685" r:id="rId11"/>
     <p:sldLayoutId id="2147483686" r:id="rId12"/>
   </p:sldLayoutIdLst>
+  <p:hf hdr="0" ftr="0" dt="0"/>
   <p:txStyles>
     <p:titleStyle>
       <a:lvl1pPr algn="l" defTabSz="914400" rtl="0" eaLnBrk="1" latinLnBrk="0" hangingPunct="1">
@@ -12579,6 +13149,7 @@
     <p:sldLayoutId id="2147483698" r:id="rId11"/>
     <p:sldLayoutId id="2147483699" r:id="rId12"/>
   </p:sldLayoutIdLst>
+  <p:hf hdr="0" ftr="0" dt="0"/>
   <p:txStyles>
     <p:titleStyle>
       <a:lvl1pPr algn="l" defTabSz="914400" rtl="0" eaLnBrk="1" latinLnBrk="0" hangingPunct="1">
@@ -13119,6 +13690,7 @@
     <p:sldLayoutId id="2147483711" r:id="rId11"/>
     <p:sldLayoutId id="2147483712" r:id="rId12"/>
   </p:sldLayoutIdLst>
+  <p:hf hdr="0" ftr="0" dt="0"/>
   <p:txStyles>
     <p:titleStyle>
       <a:lvl1pPr algn="l" defTabSz="914400" rtl="0" eaLnBrk="1" latinLnBrk="0" hangingPunct="1">
@@ -13659,6 +14231,7 @@
     <p:sldLayoutId id="2147483724" r:id="rId11"/>
     <p:sldLayoutId id="2147483725" r:id="rId12"/>
   </p:sldLayoutIdLst>
+  <p:hf hdr="0" ftr="0" dt="0"/>
   <p:txStyles>
     <p:titleStyle>
       <a:lvl1pPr algn="l" defTabSz="914400" rtl="0" eaLnBrk="1" latinLnBrk="0" hangingPunct="1">
@@ -14494,7 +15067,7 @@
           <a:lstStyle/>
           <a:p>
             <a:r>
-              <a:rPr lang="ar-EG" dirty="0" smtClean="0">
+              <a:rPr lang="ar-EG" b="1" dirty="0" smtClean="0">
                 <a:solidFill>
                   <a:schemeClr val="bg1">
                     <a:lumMod val="95000"/>
@@ -14503,7 +15076,7 @@
               </a:rPr>
               <a:t>ايذاء الاخرين لفظيآ</a:t>
             </a:r>
-            <a:endParaRPr lang="en-US" dirty="0">
+            <a:endParaRPr lang="en-US" b="1" dirty="0">
               <a:solidFill>
                 <a:schemeClr val="bg1">
                   <a:lumMod val="95000"/>
@@ -18040,19 +18613,13 @@
               <a:rPr lang="en-US" sz="1800" b="0" strike="noStrike" spc="-1" dirty="0">
                 <a:latin typeface="Arial"/>
               </a:rPr>
-              <a:t>The use of electronic communication to bully </a:t>
+              <a:t>The use of electronic communication to bully a </a:t>
             </a:r>
             <a:r>
-              <a:rPr lang="en-US" sz="1800" b="0" strike="noStrike" spc="-1">
+              <a:rPr lang="en-US" sz="1800" b="0" strike="noStrike" spc="-1" dirty="0" smtClean="0">
                 <a:latin typeface="Arial"/>
               </a:rPr>
-              <a:t>a </a:t>
-            </a:r>
-            <a:r>
-              <a:rPr lang="en-US" sz="1800" b="0" strike="noStrike" spc="-1" smtClean="0">
-                <a:latin typeface="Arial"/>
-              </a:rPr>
-              <a:t>personsending </a:t>
+              <a:t>person by sending </a:t>
             </a:r>
             <a:r>
               <a:rPr lang="en-US" sz="1800" b="0" strike="noStrike" spc="-1" dirty="0">
@@ -18102,7 +18669,7 @@
           <p:nvPr/>
         </p:nvPicPr>
         <p:blipFill>
-          <a:blip r:embed="rId2"/>
+          <a:blip r:embed="rId3"/>
           <a:stretch/>
         </p:blipFill>
         <p:spPr>
@@ -18125,7 +18692,7 @@
           <p:nvPr/>
         </p:nvPicPr>
         <p:blipFill>
-          <a:blip r:embed="rId3"/>
+          <a:blip r:embed="rId4"/>
           <a:stretch/>
         </p:blipFill>
         <p:spPr>
@@ -18148,7 +18715,7 @@
           <p:nvPr/>
         </p:nvPicPr>
         <p:blipFill>
-          <a:blip r:embed="rId4"/>
+          <a:blip r:embed="rId5"/>
           <a:stretch/>
         </p:blipFill>
         <p:spPr>
@@ -19838,35 +20405,12 @@
       </p:sp>
       <p:pic>
         <p:nvPicPr>
-          <p:cNvPr id="260" name="Picture 282"/>
+          <p:cNvPr id="261" name="Picture 170"/>
           <p:cNvPicPr/>
           <p:nvPr/>
         </p:nvPicPr>
         <p:blipFill>
           <a:blip r:embed="rId2"/>
-          <a:stretch/>
-        </p:blipFill>
-        <p:spPr>
-          <a:xfrm>
-            <a:off x="385200" y="1286280"/>
-            <a:ext cx="8352360" cy="5563080"/>
-          </a:xfrm>
-          <a:prstGeom prst="rect">
-            <a:avLst/>
-          </a:prstGeom>
-          <a:ln>
-            <a:noFill/>
-          </a:ln>
-        </p:spPr>
-      </p:pic>
-      <p:pic>
-        <p:nvPicPr>
-          <p:cNvPr id="261" name="Picture 170"/>
-          <p:cNvPicPr/>
-          <p:nvPr/>
-        </p:nvPicPr>
-        <p:blipFill>
-          <a:blip r:embed="rId3"/>
           <a:stretch/>
         </p:blipFill>
         <p:spPr>
@@ -19938,6 +20482,139 @@
           </a:p>
         </p:txBody>
       </p:sp>
+      <p:sp>
+        <p:nvSpPr>
+          <p:cNvPr id="2" name="Rectangle 1"/>
+          <p:cNvSpPr/>
+          <p:nvPr/>
+        </p:nvSpPr>
+        <p:spPr>
+          <a:xfrm>
+            <a:off x="3172691" y="4211782"/>
+            <a:ext cx="803564" cy="221673"/>
+          </a:xfrm>
+          <a:prstGeom prst="rect">
+            <a:avLst/>
+          </a:prstGeom>
+          <a:solidFill>
+            <a:schemeClr val="bg1"/>
+          </a:solidFill>
+          <a:ln>
+            <a:noFill/>
+          </a:ln>
+        </p:spPr>
+        <p:style>
+          <a:lnRef idx="2">
+            <a:schemeClr val="accent1">
+              <a:shade val="50000"/>
+            </a:schemeClr>
+          </a:lnRef>
+          <a:fillRef idx="1">
+            <a:schemeClr val="accent1"/>
+          </a:fillRef>
+          <a:effectRef idx="0">
+            <a:schemeClr val="accent1"/>
+          </a:effectRef>
+          <a:fontRef idx="minor">
+            <a:schemeClr val="lt1"/>
+          </a:fontRef>
+        </p:style>
+        <p:txBody>
+          <a:bodyPr rtlCol="0" anchor="ctr"/>
+          <a:lstStyle/>
+          <a:p>
+            <a:pPr algn="ctr"/>
+            <a:endParaRPr lang="en-US"/>
+          </a:p>
+        </p:txBody>
+      </p:sp>
+      <p:sp>
+        <p:nvSpPr>
+          <p:cNvPr id="3" name="Rectangle 2"/>
+          <p:cNvSpPr/>
+          <p:nvPr/>
+        </p:nvSpPr>
+        <p:spPr>
+          <a:xfrm>
+            <a:off x="4835236" y="4211782"/>
+            <a:ext cx="1039091" cy="401782"/>
+          </a:xfrm>
+          <a:prstGeom prst="rect">
+            <a:avLst/>
+          </a:prstGeom>
+          <a:solidFill>
+            <a:schemeClr val="bg1"/>
+          </a:solidFill>
+          <a:ln>
+            <a:noFill/>
+          </a:ln>
+        </p:spPr>
+        <p:style>
+          <a:lnRef idx="2">
+            <a:schemeClr val="accent1">
+              <a:shade val="50000"/>
+            </a:schemeClr>
+          </a:lnRef>
+          <a:fillRef idx="1">
+            <a:schemeClr val="accent1"/>
+          </a:fillRef>
+          <a:effectRef idx="0">
+            <a:schemeClr val="accent1"/>
+          </a:effectRef>
+          <a:fontRef idx="minor">
+            <a:schemeClr val="lt1"/>
+          </a:fontRef>
+        </p:style>
+        <p:txBody>
+          <a:bodyPr rtlCol="0" anchor="ctr"/>
+          <a:lstStyle/>
+          <a:p>
+            <a:pPr algn="ctr"/>
+            <a:endParaRPr lang="en-US"/>
+          </a:p>
+        </p:txBody>
+      </p:sp>
+      <p:pic>
+        <p:nvPicPr>
+          <p:cNvPr id="1026" name="Picture 2" descr="C:\wamp64\www\Graduation-Project\SRS\Business 2.png"/>
+          <p:cNvPicPr>
+            <a:picLocks noChangeAspect="1" noChangeArrowheads="1"/>
+          </p:cNvPicPr>
+          <p:nvPr/>
+        </p:nvPicPr>
+        <p:blipFill>
+          <a:blip r:embed="rId3">
+            <a:extLst>
+              <a:ext uri="{28A0092B-C50C-407E-A947-70E740481C1C}">
+                <a14:useLocalDpi xmlns:a14="http://schemas.microsoft.com/office/drawing/2010/main" val="0"/>
+              </a:ext>
+            </a:extLst>
+          </a:blip>
+          <a:srcRect/>
+          <a:stretch>
+            <a:fillRect/>
+          </a:stretch>
+        </p:blipFill>
+        <p:spPr bwMode="auto">
+          <a:xfrm>
+            <a:off x="0" y="1631580"/>
+            <a:ext cx="9143280" cy="5160404"/>
+          </a:xfrm>
+          <a:prstGeom prst="rect">
+            <a:avLst/>
+          </a:prstGeom>
+          <a:noFill/>
+          <a:extLst>
+            <a:ext uri="{909E8E84-426E-40DD-AFC4-6F175D3DCCD1}">
+              <a14:hiddenFill xmlns:a14="http://schemas.microsoft.com/office/drawing/2010/main">
+                <a:solidFill>
+                  <a:srgbClr val="FFFFFF"/>
+                </a:solidFill>
+              </a14:hiddenFill>
+            </a:ext>
+          </a:extLst>
+        </p:spPr>
+      </p:pic>
     </p:spTree>
   </p:cSld>
   <p:clrMapOvr>
@@ -20151,6 +20828,13 @@
   <p:clrMapOvr>
     <a:masterClrMapping/>
   </p:clrMapOvr>
+  <p:timing>
+    <p:tnLst>
+      <p:par>
+        <p:cTn id="1" dur="indefinite" restart="never" nodeType="tmRoot"/>
+      </p:par>
+    </p:tnLst>
+  </p:timing>
 </p:sld>
 </file>
 
@@ -20256,6 +20940,13 @@
   <p:clrMapOvr>
     <a:masterClrMapping/>
   </p:clrMapOvr>
+  <p:timing>
+    <p:tnLst>
+      <p:par>
+        <p:cTn id="1" dur="indefinite" restart="never" nodeType="tmRoot"/>
+      </p:par>
+    </p:tnLst>
+  </p:timing>
 </p:sld>
 </file>
 
@@ -21916,4 +22607,574 @@
   <a:objectDefaults/>
   <a:extraClrSchemeLst/>
 </a:theme>
+</file>
+
+<file path=ppt/theme/theme7.xml><?xml version="1.0" encoding="utf-8"?>
+<a:theme xmlns:a="http://schemas.openxmlformats.org/drawingml/2006/main" name="Office Theme">
+  <a:themeElements>
+    <a:clrScheme name="Office">
+      <a:dk1>
+        <a:sysClr val="windowText" lastClr="000000"/>
+      </a:dk1>
+      <a:lt1>
+        <a:sysClr val="window" lastClr="FFFFFF"/>
+      </a:lt1>
+      <a:dk2>
+        <a:srgbClr val="1F497D"/>
+      </a:dk2>
+      <a:lt2>
+        <a:srgbClr val="EEECE1"/>
+      </a:lt2>
+      <a:accent1>
+        <a:srgbClr val="4F81BD"/>
+      </a:accent1>
+      <a:accent2>
+        <a:srgbClr val="C0504D"/>
+      </a:accent2>
+      <a:accent3>
+        <a:srgbClr val="9BBB59"/>
+      </a:accent3>
+      <a:accent4>
+        <a:srgbClr val="8064A2"/>
+      </a:accent4>
+      <a:accent5>
+        <a:srgbClr val="4BACC6"/>
+      </a:accent5>
+      <a:accent6>
+        <a:srgbClr val="F79646"/>
+      </a:accent6>
+      <a:hlink>
+        <a:srgbClr val="0000FF"/>
+      </a:hlink>
+      <a:folHlink>
+        <a:srgbClr val="800080"/>
+      </a:folHlink>
+    </a:clrScheme>
+    <a:fontScheme name="Office">
+      <a:majorFont>
+        <a:latin typeface="Calibri"/>
+        <a:ea typeface=""/>
+        <a:cs typeface=""/>
+        <a:font script="Jpan" typeface="ＭＳ Ｐゴシック"/>
+        <a:font script="Hang" typeface="맑은 고딕"/>
+        <a:font script="Hans" typeface="宋体"/>
+        <a:font script="Hant" typeface="新細明體"/>
+        <a:font script="Arab" typeface="Times New Roman"/>
+        <a:font script="Hebr" typeface="Times New Roman"/>
+        <a:font script="Thai" typeface="Angsana New"/>
+        <a:font script="Ethi" typeface="Nyala"/>
+        <a:font script="Beng" typeface="Vrinda"/>
+        <a:font script="Gujr" typeface="Shruti"/>
+        <a:font script="Khmr" typeface="MoolBoran"/>
+        <a:font script="Knda" typeface="Tunga"/>
+        <a:font script="Guru" typeface="Raavi"/>
+        <a:font script="Cans" typeface="Euphemia"/>
+        <a:font script="Cher" typeface="Plantagenet Cherokee"/>
+        <a:font script="Yiii" typeface="Microsoft Yi Baiti"/>
+        <a:font script="Tibt" typeface="Microsoft Himalaya"/>
+        <a:font script="Thaa" typeface="MV Boli"/>
+        <a:font script="Deva" typeface="Mangal"/>
+        <a:font script="Telu" typeface="Gautami"/>
+        <a:font script="Taml" typeface="Latha"/>
+        <a:font script="Syrc" typeface="Estrangelo Edessa"/>
+        <a:font script="Orya" typeface="Kalinga"/>
+        <a:font script="Mlym" typeface="Kartika"/>
+        <a:font script="Laoo" typeface="DokChampa"/>
+        <a:font script="Sinh" typeface="Iskoola Pota"/>
+        <a:font script="Mong" typeface="Mongolian Baiti"/>
+        <a:font script="Viet" typeface="Times New Roman"/>
+        <a:font script="Uigh" typeface="Microsoft Uighur"/>
+        <a:font script="Geor" typeface="Sylfaen"/>
+      </a:majorFont>
+      <a:minorFont>
+        <a:latin typeface="Calibri"/>
+        <a:ea typeface=""/>
+        <a:cs typeface=""/>
+        <a:font script="Jpan" typeface="ＭＳ Ｐゴシック"/>
+        <a:font script="Hang" typeface="맑은 고딕"/>
+        <a:font script="Hans" typeface="宋体"/>
+        <a:font script="Hant" typeface="新細明體"/>
+        <a:font script="Arab" typeface="Arial"/>
+        <a:font script="Hebr" typeface="Arial"/>
+        <a:font script="Thai" typeface="Cordia New"/>
+        <a:font script="Ethi" typeface="Nyala"/>
+        <a:font script="Beng" typeface="Vrinda"/>
+        <a:font script="Gujr" typeface="Shruti"/>
+        <a:font script="Khmr" typeface="DaunPenh"/>
+        <a:font script="Knda" typeface="Tunga"/>
+        <a:font script="Guru" typeface="Raavi"/>
+        <a:font script="Cans" typeface="Euphemia"/>
+        <a:font script="Cher" typeface="Plantagenet Cherokee"/>
+        <a:font script="Yiii" typeface="Microsoft Yi Baiti"/>
+        <a:font script="Tibt" typeface="Microsoft Himalaya"/>
+        <a:font script="Thaa" typeface="MV Boli"/>
+        <a:font script="Deva" typeface="Mangal"/>
+        <a:font script="Telu" typeface="Gautami"/>
+        <a:font script="Taml" typeface="Latha"/>
+        <a:font script="Syrc" typeface="Estrangelo Edessa"/>
+        <a:font script="Orya" typeface="Kalinga"/>
+        <a:font script="Mlym" typeface="Kartika"/>
+        <a:font script="Laoo" typeface="DokChampa"/>
+        <a:font script="Sinh" typeface="Iskoola Pota"/>
+        <a:font script="Mong" typeface="Mongolian Baiti"/>
+        <a:font script="Viet" typeface="Arial"/>
+        <a:font script="Uigh" typeface="Microsoft Uighur"/>
+        <a:font script="Geor" typeface="Sylfaen"/>
+      </a:minorFont>
+    </a:fontScheme>
+    <a:fmtScheme name="Office">
+      <a:fillStyleLst>
+        <a:solidFill>
+          <a:schemeClr val="phClr"/>
+        </a:solidFill>
+        <a:gradFill rotWithShape="1">
+          <a:gsLst>
+            <a:gs pos="0">
+              <a:schemeClr val="phClr">
+                <a:tint val="50000"/>
+                <a:satMod val="300000"/>
+              </a:schemeClr>
+            </a:gs>
+            <a:gs pos="35000">
+              <a:schemeClr val="phClr">
+                <a:tint val="37000"/>
+                <a:satMod val="300000"/>
+              </a:schemeClr>
+            </a:gs>
+            <a:gs pos="100000">
+              <a:schemeClr val="phClr">
+                <a:tint val="15000"/>
+                <a:satMod val="350000"/>
+              </a:schemeClr>
+            </a:gs>
+          </a:gsLst>
+          <a:lin ang="16200000" scaled="1"/>
+        </a:gradFill>
+        <a:gradFill rotWithShape="1">
+          <a:gsLst>
+            <a:gs pos="0">
+              <a:schemeClr val="phClr">
+                <a:shade val="51000"/>
+                <a:satMod val="130000"/>
+              </a:schemeClr>
+            </a:gs>
+            <a:gs pos="80000">
+              <a:schemeClr val="phClr">
+                <a:shade val="93000"/>
+                <a:satMod val="130000"/>
+              </a:schemeClr>
+            </a:gs>
+            <a:gs pos="100000">
+              <a:schemeClr val="phClr">
+                <a:shade val="94000"/>
+                <a:satMod val="135000"/>
+              </a:schemeClr>
+            </a:gs>
+          </a:gsLst>
+          <a:lin ang="16200000" scaled="0"/>
+        </a:gradFill>
+      </a:fillStyleLst>
+      <a:lnStyleLst>
+        <a:ln w="9525" cap="flat" cmpd="sng" algn="ctr">
+          <a:solidFill>
+            <a:schemeClr val="phClr">
+              <a:shade val="95000"/>
+              <a:satMod val="105000"/>
+            </a:schemeClr>
+          </a:solidFill>
+          <a:prstDash val="solid"/>
+        </a:ln>
+        <a:ln w="25400" cap="flat" cmpd="sng" algn="ctr">
+          <a:solidFill>
+            <a:schemeClr val="phClr"/>
+          </a:solidFill>
+          <a:prstDash val="solid"/>
+        </a:ln>
+        <a:ln w="38100" cap="flat" cmpd="sng" algn="ctr">
+          <a:solidFill>
+            <a:schemeClr val="phClr"/>
+          </a:solidFill>
+          <a:prstDash val="solid"/>
+        </a:ln>
+      </a:lnStyleLst>
+      <a:effectStyleLst>
+        <a:effectStyle>
+          <a:effectLst>
+            <a:outerShdw blurRad="40000" dist="20000" dir="5400000" rotWithShape="0">
+              <a:srgbClr val="000000">
+                <a:alpha val="38000"/>
+              </a:srgbClr>
+            </a:outerShdw>
+          </a:effectLst>
+        </a:effectStyle>
+        <a:effectStyle>
+          <a:effectLst>
+            <a:outerShdw blurRad="40000" dist="23000" dir="5400000" rotWithShape="0">
+              <a:srgbClr val="000000">
+                <a:alpha val="35000"/>
+              </a:srgbClr>
+            </a:outerShdw>
+          </a:effectLst>
+        </a:effectStyle>
+        <a:effectStyle>
+          <a:effectLst>
+            <a:outerShdw blurRad="40000" dist="23000" dir="5400000" rotWithShape="0">
+              <a:srgbClr val="000000">
+                <a:alpha val="35000"/>
+              </a:srgbClr>
+            </a:outerShdw>
+          </a:effectLst>
+          <a:scene3d>
+            <a:camera prst="orthographicFront">
+              <a:rot lat="0" lon="0" rev="0"/>
+            </a:camera>
+            <a:lightRig rig="threePt" dir="t">
+              <a:rot lat="0" lon="0" rev="1200000"/>
+            </a:lightRig>
+          </a:scene3d>
+          <a:sp3d>
+            <a:bevelT w="63500" h="25400"/>
+          </a:sp3d>
+        </a:effectStyle>
+      </a:effectStyleLst>
+      <a:bgFillStyleLst>
+        <a:solidFill>
+          <a:schemeClr val="phClr"/>
+        </a:solidFill>
+        <a:gradFill rotWithShape="1">
+          <a:gsLst>
+            <a:gs pos="0">
+              <a:schemeClr val="phClr">
+                <a:tint val="40000"/>
+                <a:satMod val="350000"/>
+              </a:schemeClr>
+            </a:gs>
+            <a:gs pos="40000">
+              <a:schemeClr val="phClr">
+                <a:tint val="45000"/>
+                <a:shade val="99000"/>
+                <a:satMod val="350000"/>
+              </a:schemeClr>
+            </a:gs>
+            <a:gs pos="100000">
+              <a:schemeClr val="phClr">
+                <a:shade val="20000"/>
+                <a:satMod val="255000"/>
+              </a:schemeClr>
+            </a:gs>
+          </a:gsLst>
+          <a:path path="circle">
+            <a:fillToRect l="50000" t="-80000" r="50000" b="180000"/>
+          </a:path>
+        </a:gradFill>
+        <a:gradFill rotWithShape="1">
+          <a:gsLst>
+            <a:gs pos="0">
+              <a:schemeClr val="phClr">
+                <a:tint val="80000"/>
+                <a:satMod val="300000"/>
+              </a:schemeClr>
+            </a:gs>
+            <a:gs pos="100000">
+              <a:schemeClr val="phClr">
+                <a:shade val="30000"/>
+                <a:satMod val="200000"/>
+              </a:schemeClr>
+            </a:gs>
+          </a:gsLst>
+          <a:path path="circle">
+            <a:fillToRect l="50000" t="50000" r="50000" b="50000"/>
+          </a:path>
+        </a:gradFill>
+      </a:bgFillStyleLst>
+    </a:fmtScheme>
+  </a:themeElements>
+  <a:objectDefaults/>
+  <a:extraClrSchemeLst/>
+</a:theme>
+</file>
+
+<file path=ppt/theme/theme8.xml><?xml version="1.0" encoding="utf-8"?>
+<a:theme xmlns:a="http://schemas.openxmlformats.org/drawingml/2006/main" name="Office Theme">
+  <a:themeElements>
+    <a:clrScheme name="Office">
+      <a:dk1>
+        <a:sysClr val="windowText" lastClr="000000"/>
+      </a:dk1>
+      <a:lt1>
+        <a:sysClr val="window" lastClr="FFFFFF"/>
+      </a:lt1>
+      <a:dk2>
+        <a:srgbClr val="1F497D"/>
+      </a:dk2>
+      <a:lt2>
+        <a:srgbClr val="EEECE1"/>
+      </a:lt2>
+      <a:accent1>
+        <a:srgbClr val="4F81BD"/>
+      </a:accent1>
+      <a:accent2>
+        <a:srgbClr val="C0504D"/>
+      </a:accent2>
+      <a:accent3>
+        <a:srgbClr val="9BBB59"/>
+      </a:accent3>
+      <a:accent4>
+        <a:srgbClr val="8064A2"/>
+      </a:accent4>
+      <a:accent5>
+        <a:srgbClr val="4BACC6"/>
+      </a:accent5>
+      <a:accent6>
+        <a:srgbClr val="F79646"/>
+      </a:accent6>
+      <a:hlink>
+        <a:srgbClr val="0000FF"/>
+      </a:hlink>
+      <a:folHlink>
+        <a:srgbClr val="800080"/>
+      </a:folHlink>
+    </a:clrScheme>
+    <a:fontScheme name="Office">
+      <a:majorFont>
+        <a:latin typeface="Calibri"/>
+        <a:ea typeface=""/>
+        <a:cs typeface=""/>
+        <a:font script="Jpan" typeface="ＭＳ Ｐゴシック"/>
+        <a:font script="Hang" typeface="맑은 고딕"/>
+        <a:font script="Hans" typeface="宋体"/>
+        <a:font script="Hant" typeface="新細明體"/>
+        <a:font script="Arab" typeface="Times New Roman"/>
+        <a:font script="Hebr" typeface="Times New Roman"/>
+        <a:font script="Thai" typeface="Angsana New"/>
+        <a:font script="Ethi" typeface="Nyala"/>
+        <a:font script="Beng" typeface="Vrinda"/>
+        <a:font script="Gujr" typeface="Shruti"/>
+        <a:font script="Khmr" typeface="MoolBoran"/>
+        <a:font script="Knda" typeface="Tunga"/>
+        <a:font script="Guru" typeface="Raavi"/>
+        <a:font script="Cans" typeface="Euphemia"/>
+        <a:font script="Cher" typeface="Plantagenet Cherokee"/>
+        <a:font script="Yiii" typeface="Microsoft Yi Baiti"/>
+        <a:font script="Tibt" typeface="Microsoft Himalaya"/>
+        <a:font script="Thaa" typeface="MV Boli"/>
+        <a:font script="Deva" typeface="Mangal"/>
+        <a:font script="Telu" typeface="Gautami"/>
+        <a:font script="Taml" typeface="Latha"/>
+        <a:font script="Syrc" typeface="Estrangelo Edessa"/>
+        <a:font script="Orya" typeface="Kalinga"/>
+        <a:font script="Mlym" typeface="Kartika"/>
+        <a:font script="Laoo" typeface="DokChampa"/>
+        <a:font script="Sinh" typeface="Iskoola Pota"/>
+        <a:font script="Mong" typeface="Mongolian Baiti"/>
+        <a:font script="Viet" typeface="Times New Roman"/>
+        <a:font script="Uigh" typeface="Microsoft Uighur"/>
+        <a:font script="Geor" typeface="Sylfaen"/>
+      </a:majorFont>
+      <a:minorFont>
+        <a:latin typeface="Calibri"/>
+        <a:ea typeface=""/>
+        <a:cs typeface=""/>
+        <a:font script="Jpan" typeface="ＭＳ Ｐゴシック"/>
+        <a:font script="Hang" typeface="맑은 고딕"/>
+        <a:font script="Hans" typeface="宋体"/>
+        <a:font script="Hant" typeface="新細明體"/>
+        <a:font script="Arab" typeface="Arial"/>
+        <a:font script="Hebr" typeface="Arial"/>
+        <a:font script="Thai" typeface="Cordia New"/>
+        <a:font script="Ethi" typeface="Nyala"/>
+        <a:font script="Beng" typeface="Vrinda"/>
+        <a:font script="Gujr" typeface="Shruti"/>
+        <a:font script="Khmr" typeface="DaunPenh"/>
+        <a:font script="Knda" typeface="Tunga"/>
+        <a:font script="Guru" typeface="Raavi"/>
+        <a:font script="Cans" typeface="Euphemia"/>
+        <a:font script="Cher" typeface="Plantagenet Cherokee"/>
+        <a:font script="Yiii" typeface="Microsoft Yi Baiti"/>
+        <a:font script="Tibt" typeface="Microsoft Himalaya"/>
+        <a:font script="Thaa" typeface="MV Boli"/>
+        <a:font script="Deva" typeface="Mangal"/>
+        <a:font script="Telu" typeface="Gautami"/>
+        <a:font script="Taml" typeface="Latha"/>
+        <a:font script="Syrc" typeface="Estrangelo Edessa"/>
+        <a:font script="Orya" typeface="Kalinga"/>
+        <a:font script="Mlym" typeface="Kartika"/>
+        <a:font script="Laoo" typeface="DokChampa"/>
+        <a:font script="Sinh" typeface="Iskoola Pota"/>
+        <a:font script="Mong" typeface="Mongolian Baiti"/>
+        <a:font script="Viet" typeface="Arial"/>
+        <a:font script="Uigh" typeface="Microsoft Uighur"/>
+        <a:font script="Geor" typeface="Sylfaen"/>
+      </a:minorFont>
+    </a:fontScheme>
+    <a:fmtScheme name="Office">
+      <a:fillStyleLst>
+        <a:solidFill>
+          <a:schemeClr val="phClr"/>
+        </a:solidFill>
+        <a:gradFill rotWithShape="1">
+          <a:gsLst>
+            <a:gs pos="0">
+              <a:schemeClr val="phClr">
+                <a:tint val="50000"/>
+                <a:satMod val="300000"/>
+              </a:schemeClr>
+            </a:gs>
+            <a:gs pos="35000">
+              <a:schemeClr val="phClr">
+                <a:tint val="37000"/>
+                <a:satMod val="300000"/>
+              </a:schemeClr>
+            </a:gs>
+            <a:gs pos="100000">
+              <a:schemeClr val="phClr">
+                <a:tint val="15000"/>
+                <a:satMod val="350000"/>
+              </a:schemeClr>
+            </a:gs>
+          </a:gsLst>
+          <a:lin ang="16200000" scaled="1"/>
+        </a:gradFill>
+        <a:gradFill rotWithShape="1">
+          <a:gsLst>
+            <a:gs pos="0">
+              <a:schemeClr val="phClr">
+                <a:shade val="51000"/>
+                <a:satMod val="130000"/>
+              </a:schemeClr>
+            </a:gs>
+            <a:gs pos="80000">
+              <a:schemeClr val="phClr">
+                <a:shade val="93000"/>
+                <a:satMod val="130000"/>
+              </a:schemeClr>
+            </a:gs>
+            <a:gs pos="100000">
+              <a:schemeClr val="phClr">
+                <a:shade val="94000"/>
+                <a:satMod val="135000"/>
+              </a:schemeClr>
+            </a:gs>
+          </a:gsLst>
+          <a:lin ang="16200000" scaled="0"/>
+        </a:gradFill>
+      </a:fillStyleLst>
+      <a:lnStyleLst>
+        <a:ln w="9525" cap="flat" cmpd="sng" algn="ctr">
+          <a:solidFill>
+            <a:schemeClr val="phClr">
+              <a:shade val="95000"/>
+              <a:satMod val="105000"/>
+            </a:schemeClr>
+          </a:solidFill>
+          <a:prstDash val="solid"/>
+        </a:ln>
+        <a:ln w="25400" cap="flat" cmpd="sng" algn="ctr">
+          <a:solidFill>
+            <a:schemeClr val="phClr"/>
+          </a:solidFill>
+          <a:prstDash val="solid"/>
+        </a:ln>
+        <a:ln w="38100" cap="flat" cmpd="sng" algn="ctr">
+          <a:solidFill>
+            <a:schemeClr val="phClr"/>
+          </a:solidFill>
+          <a:prstDash val="solid"/>
+        </a:ln>
+      </a:lnStyleLst>
+      <a:effectStyleLst>
+        <a:effectStyle>
+          <a:effectLst>
+            <a:outerShdw blurRad="40000" dist="20000" dir="5400000" rotWithShape="0">
+              <a:srgbClr val="000000">
+                <a:alpha val="38000"/>
+              </a:srgbClr>
+            </a:outerShdw>
+          </a:effectLst>
+        </a:effectStyle>
+        <a:effectStyle>
+          <a:effectLst>
+            <a:outerShdw blurRad="40000" dist="23000" dir="5400000" rotWithShape="0">
+              <a:srgbClr val="000000">
+                <a:alpha val="35000"/>
+              </a:srgbClr>
+            </a:outerShdw>
+          </a:effectLst>
+        </a:effectStyle>
+        <a:effectStyle>
+          <a:effectLst>
+            <a:outerShdw blurRad="40000" dist="23000" dir="5400000" rotWithShape="0">
+              <a:srgbClr val="000000">
+                <a:alpha val="35000"/>
+              </a:srgbClr>
+            </a:outerShdw>
+          </a:effectLst>
+          <a:scene3d>
+            <a:camera prst="orthographicFront">
+              <a:rot lat="0" lon="0" rev="0"/>
+            </a:camera>
+            <a:lightRig rig="threePt" dir="t">
+              <a:rot lat="0" lon="0" rev="1200000"/>
+            </a:lightRig>
+          </a:scene3d>
+          <a:sp3d>
+            <a:bevelT w="63500" h="25400"/>
+          </a:sp3d>
+        </a:effectStyle>
+      </a:effectStyleLst>
+      <a:bgFillStyleLst>
+        <a:solidFill>
+          <a:schemeClr val="phClr"/>
+        </a:solidFill>
+        <a:gradFill rotWithShape="1">
+          <a:gsLst>
+            <a:gs pos="0">
+              <a:schemeClr val="phClr">
+                <a:tint val="40000"/>
+                <a:satMod val="350000"/>
+              </a:schemeClr>
+            </a:gs>
+            <a:gs pos="40000">
+              <a:schemeClr val="phClr">
+                <a:tint val="45000"/>
+                <a:shade val="99000"/>
+                <a:satMod val="350000"/>
+              </a:schemeClr>
+            </a:gs>
+            <a:gs pos="100000">
+              <a:schemeClr val="phClr">
+                <a:shade val="20000"/>
+                <a:satMod val="255000"/>
+              </a:schemeClr>
+            </a:gs>
+          </a:gsLst>
+          <a:path path="circle">
+            <a:fillToRect l="50000" t="-80000" r="50000" b="180000"/>
+          </a:path>
+        </a:gradFill>
+        <a:gradFill rotWithShape="1">
+          <a:gsLst>
+            <a:gs pos="0">
+              <a:schemeClr val="phClr">
+                <a:tint val="80000"/>
+                <a:satMod val="300000"/>
+              </a:schemeClr>
+            </a:gs>
+            <a:gs pos="100000">
+              <a:schemeClr val="phClr">
+                <a:shade val="30000"/>
+                <a:satMod val="200000"/>
+              </a:schemeClr>
+            </a:gs>
+          </a:gsLst>
+          <a:path path="circle">
+            <a:fillToRect l="50000" t="50000" r="50000" b="50000"/>
+          </a:path>
+        </a:gradFill>
+      </a:bgFillStyleLst>
+    </a:fmtScheme>
+  </a:themeElements>
+  <a:objectDefaults/>
+  <a:extraClrSchemeLst/>
+</a:theme>
 </file>